--- a/ML - Machine Learning/Notes/Bayesian Classification.pptx
+++ b/ML - Machine Learning/Notes/Bayesian Classification.pptx
@@ -235,7 +235,7 @@
           <a:p>
             <a:fld id="{1919E9C5-9565-43B3-8F62-42DE878AAEE9}" type="datetimeFigureOut">
               <a:rPr lang="en-IN" smtClean="0"/>
-              <a:t>13-09-2021</a:t>
+              <a:t>13/02/22</a:t>
             </a:fld>
             <a:endParaRPr lang="en-IN"/>
           </a:p>
@@ -299,35 +299,35 @@
           <a:p>
             <a:pPr lvl="0"/>
             <a:r>
-              <a:rPr lang="en-US" smtClean="0"/>
+              <a:rPr lang="en-US"/>
               <a:t>Click to edit Master text styles</a:t>
             </a:r>
           </a:p>
           <a:p>
             <a:pPr lvl="1"/>
             <a:r>
-              <a:rPr lang="en-US" smtClean="0"/>
+              <a:rPr lang="en-US"/>
               <a:t>Second level</a:t>
             </a:r>
           </a:p>
           <a:p>
             <a:pPr lvl="2"/>
             <a:r>
-              <a:rPr lang="en-US" smtClean="0"/>
+              <a:rPr lang="en-US"/>
               <a:t>Third level</a:t>
             </a:r>
           </a:p>
           <a:p>
             <a:pPr lvl="3"/>
             <a:r>
-              <a:rPr lang="en-US" smtClean="0"/>
+              <a:rPr lang="en-US"/>
               <a:t>Fourth level</a:t>
             </a:r>
           </a:p>
           <a:p>
             <a:pPr lvl="4"/>
             <a:r>
-              <a:rPr lang="en-US" smtClean="0"/>
+              <a:rPr lang="en-US"/>
               <a:t>Fifth level</a:t>
             </a:r>
             <a:endParaRPr lang="en-IN"/>
@@ -691,7 +691,7 @@
               </a:pPr>
               <a:t>2</a:t>
             </a:fld>
-            <a:endParaRPr lang="en-US" smtClean="0">
+            <a:endParaRPr lang="en-US">
               <a:solidFill>
                 <a:prstClr val="black"/>
               </a:solidFill>
@@ -877,7 +877,7 @@
               <a:pPr/>
               <a:t>3</a:t>
             </a:fld>
-            <a:endParaRPr lang="en-US" smtClean="0">
+            <a:endParaRPr lang="en-US">
               <a:solidFill>
                 <a:prstClr val="black"/>
               </a:solidFill>
@@ -958,7 +958,7 @@
           <a:lstStyle/>
           <a:p>
             <a:pPr eaLnBrk="1" hangingPunct="1"/>
-            <a:endParaRPr lang="en-US" smtClean="0"/>
+            <a:endParaRPr lang="en-US"/>
           </a:p>
         </p:txBody>
       </p:sp>
@@ -1139,7 +1139,7 @@
               <a:pPr/>
               <a:t>4</a:t>
             </a:fld>
-            <a:endParaRPr lang="en-US" smtClean="0">
+            <a:endParaRPr lang="en-US">
               <a:solidFill>
                 <a:prstClr val="black"/>
               </a:solidFill>
@@ -1220,7 +1220,7 @@
           <a:lstStyle/>
           <a:p>
             <a:pPr eaLnBrk="1" hangingPunct="1"/>
-            <a:endParaRPr lang="en-US" smtClean="0"/>
+            <a:endParaRPr lang="en-US"/>
           </a:p>
         </p:txBody>
       </p:sp>
@@ -1401,7 +1401,7 @@
               <a:pPr/>
               <a:t>5</a:t>
             </a:fld>
-            <a:endParaRPr lang="en-US" smtClean="0">
+            <a:endParaRPr lang="en-US">
               <a:solidFill>
                 <a:prstClr val="black"/>
               </a:solidFill>
@@ -1482,7 +1482,7 @@
           <a:lstStyle/>
           <a:p>
             <a:pPr eaLnBrk="1" hangingPunct="1"/>
-            <a:endParaRPr lang="en-US" smtClean="0"/>
+            <a:endParaRPr lang="en-US"/>
           </a:p>
         </p:txBody>
       </p:sp>
@@ -1663,7 +1663,7 @@
               <a:pPr/>
               <a:t>6</a:t>
             </a:fld>
-            <a:endParaRPr lang="en-US" smtClean="0">
+            <a:endParaRPr lang="en-US">
               <a:solidFill>
                 <a:prstClr val="black"/>
               </a:solidFill>
@@ -1744,7 +1744,7 @@
           <a:lstStyle/>
           <a:p>
             <a:pPr eaLnBrk="1" hangingPunct="1"/>
-            <a:endParaRPr lang="en-US" smtClean="0"/>
+            <a:endParaRPr lang="en-US"/>
           </a:p>
         </p:txBody>
       </p:sp>
@@ -1949,7 +1949,7 @@
               </a:pPr>
               <a:t>7</a:t>
             </a:fld>
-            <a:endParaRPr lang="en-US" smtClean="0">
+            <a:endParaRPr lang="en-US">
               <a:solidFill>
                 <a:prstClr val="black"/>
               </a:solidFill>
@@ -2029,7 +2029,7 @@
           </a:bodyPr>
           <a:lstStyle/>
           <a:p>
-            <a:endParaRPr lang="en-US" smtClean="0"/>
+            <a:endParaRPr lang="en-US"/>
           </a:p>
         </p:txBody>
       </p:sp>
@@ -2234,7 +2234,7 @@
               </a:pPr>
               <a:t>8</a:t>
             </a:fld>
-            <a:endParaRPr lang="en-US" smtClean="0">
+            <a:endParaRPr lang="en-US">
               <a:solidFill>
                 <a:prstClr val="black"/>
               </a:solidFill>
@@ -2314,7 +2314,7 @@
           </a:bodyPr>
           <a:lstStyle/>
           <a:p>
-            <a:endParaRPr lang="en-US" smtClean="0"/>
+            <a:endParaRPr lang="en-US"/>
           </a:p>
         </p:txBody>
       </p:sp>
@@ -2519,7 +2519,7 @@
               </a:pPr>
               <a:t>10</a:t>
             </a:fld>
-            <a:endParaRPr lang="en-US" smtClean="0">
+            <a:endParaRPr lang="en-US">
               <a:solidFill>
                 <a:prstClr val="black"/>
               </a:solidFill>
@@ -2599,7 +2599,7 @@
           </a:bodyPr>
           <a:lstStyle/>
           <a:p>
-            <a:endParaRPr lang="en-US" smtClean="0"/>
+            <a:endParaRPr lang="en-US"/>
           </a:p>
         </p:txBody>
       </p:sp>
@@ -2804,7 +2804,7 @@
               </a:pPr>
               <a:t>38</a:t>
             </a:fld>
-            <a:endParaRPr lang="en-US" smtClean="0">
+            <a:endParaRPr lang="en-US">
               <a:solidFill>
                 <a:prstClr val="black"/>
               </a:solidFill>
@@ -2884,7 +2884,7 @@
           </a:bodyPr>
           <a:lstStyle/>
           <a:p>
-            <a:endParaRPr lang="en-US" smtClean="0"/>
+            <a:endParaRPr lang="en-US"/>
           </a:p>
         </p:txBody>
       </p:sp>
@@ -2943,7 +2943,7 @@
           </a:lstStyle>
           <a:p>
             <a:r>
-              <a:rPr lang="en-US" smtClean="0"/>
+              <a:rPr lang="en-US"/>
               <a:t>Click to edit Master title style</a:t>
             </a:r>
             <a:endParaRPr lang="en-IN"/>
@@ -3008,7 +3008,7 @@
           </a:lstStyle>
           <a:p>
             <a:r>
-              <a:rPr lang="en-US" smtClean="0"/>
+              <a:rPr lang="en-US"/>
               <a:t>Click to edit Master subtitle style</a:t>
             </a:r>
             <a:endParaRPr lang="en-IN"/>
@@ -3032,7 +3032,7 @@
           <a:p>
             <a:fld id="{D0D9FB7F-6612-4579-8E92-342E5F5B7703}" type="datetimeFigureOut">
               <a:rPr lang="en-IN" smtClean="0"/>
-              <a:t>13-09-2021</a:t>
+              <a:t>13/02/22</a:t>
             </a:fld>
             <a:endParaRPr lang="en-IN"/>
           </a:p>
@@ -3126,7 +3126,7 @@
           <a:lstStyle/>
           <a:p>
             <a:r>
-              <a:rPr lang="en-US" smtClean="0"/>
+              <a:rPr lang="en-US"/>
               <a:t>Click to edit Master title style</a:t>
             </a:r>
             <a:endParaRPr lang="en-IN"/>
@@ -3150,35 +3150,35 @@
           <a:p>
             <a:pPr lvl="0"/>
             <a:r>
-              <a:rPr lang="en-US" smtClean="0"/>
+              <a:rPr lang="en-US"/>
               <a:t>Click to edit Master text styles</a:t>
             </a:r>
           </a:p>
           <a:p>
             <a:pPr lvl="1"/>
             <a:r>
-              <a:rPr lang="en-US" smtClean="0"/>
+              <a:rPr lang="en-US"/>
               <a:t>Second level</a:t>
             </a:r>
           </a:p>
           <a:p>
             <a:pPr lvl="2"/>
             <a:r>
-              <a:rPr lang="en-US" smtClean="0"/>
+              <a:rPr lang="en-US"/>
               <a:t>Third level</a:t>
             </a:r>
           </a:p>
           <a:p>
             <a:pPr lvl="3"/>
             <a:r>
-              <a:rPr lang="en-US" smtClean="0"/>
+              <a:rPr lang="en-US"/>
               <a:t>Fourth level</a:t>
             </a:r>
           </a:p>
           <a:p>
             <a:pPr lvl="4"/>
             <a:r>
-              <a:rPr lang="en-US" smtClean="0"/>
+              <a:rPr lang="en-US"/>
               <a:t>Fifth level</a:t>
             </a:r>
             <a:endParaRPr lang="en-IN"/>
@@ -3202,7 +3202,7 @@
           <a:p>
             <a:fld id="{D0D9FB7F-6612-4579-8E92-342E5F5B7703}" type="datetimeFigureOut">
               <a:rPr lang="en-IN" smtClean="0"/>
-              <a:t>13-09-2021</a:t>
+              <a:t>13/02/22</a:t>
             </a:fld>
             <a:endParaRPr lang="en-IN"/>
           </a:p>
@@ -3301,7 +3301,7 @@
           <a:lstStyle/>
           <a:p>
             <a:r>
-              <a:rPr lang="en-US" smtClean="0"/>
+              <a:rPr lang="en-US"/>
               <a:t>Click to edit Master title style</a:t>
             </a:r>
             <a:endParaRPr lang="en-IN"/>
@@ -3330,35 +3330,35 @@
           <a:p>
             <a:pPr lvl="0"/>
             <a:r>
-              <a:rPr lang="en-US" smtClean="0"/>
+              <a:rPr lang="en-US"/>
               <a:t>Click to edit Master text styles</a:t>
             </a:r>
           </a:p>
           <a:p>
             <a:pPr lvl="1"/>
             <a:r>
-              <a:rPr lang="en-US" smtClean="0"/>
+              <a:rPr lang="en-US"/>
               <a:t>Second level</a:t>
             </a:r>
           </a:p>
           <a:p>
             <a:pPr lvl="2"/>
             <a:r>
-              <a:rPr lang="en-US" smtClean="0"/>
+              <a:rPr lang="en-US"/>
               <a:t>Third level</a:t>
             </a:r>
           </a:p>
           <a:p>
             <a:pPr lvl="3"/>
             <a:r>
-              <a:rPr lang="en-US" smtClean="0"/>
+              <a:rPr lang="en-US"/>
               <a:t>Fourth level</a:t>
             </a:r>
           </a:p>
           <a:p>
             <a:pPr lvl="4"/>
             <a:r>
-              <a:rPr lang="en-US" smtClean="0"/>
+              <a:rPr lang="en-US"/>
               <a:t>Fifth level</a:t>
             </a:r>
             <a:endParaRPr lang="en-IN"/>
@@ -3382,7 +3382,7 @@
           <a:p>
             <a:fld id="{D0D9FB7F-6612-4579-8E92-342E5F5B7703}" type="datetimeFigureOut">
               <a:rPr lang="en-IN" smtClean="0"/>
-              <a:t>13-09-2021</a:t>
+              <a:t>13/02/22</a:t>
             </a:fld>
             <a:endParaRPr lang="en-IN"/>
           </a:p>
@@ -3609,7 +3609,7 @@
           </a:lstStyle>
           <a:p>
             <a:r>
-              <a:rPr lang="en-US" smtClean="0"/>
+              <a:rPr lang="en-US"/>
               <a:t>Click to edit Master title style</a:t>
             </a:r>
             <a:endParaRPr lang="en-US" dirty="0"/>
@@ -3681,7 +3681,7 @@
           </a:lstStyle>
           <a:p>
             <a:r>
-              <a:rPr lang="en-US" smtClean="0"/>
+              <a:rPr lang="en-US"/>
               <a:t>Click to edit Master subtitle style</a:t>
             </a:r>
             <a:endParaRPr lang="en-US" dirty="0"/>
@@ -3819,7 +3819,7 @@
           <a:lstStyle/>
           <a:p>
             <a:r>
-              <a:rPr lang="en-US" smtClean="0"/>
+              <a:rPr lang="en-US"/>
               <a:t>Click to edit Master title style</a:t>
             </a:r>
             <a:endParaRPr lang="en-US" dirty="0"/>
@@ -3843,35 +3843,35 @@
           <a:p>
             <a:pPr lvl="0"/>
             <a:r>
-              <a:rPr lang="en-US" smtClean="0"/>
+              <a:rPr lang="en-US"/>
               <a:t>Click to edit Master text styles</a:t>
             </a:r>
           </a:p>
           <a:p>
             <a:pPr lvl="1"/>
             <a:r>
-              <a:rPr lang="en-US" smtClean="0"/>
+              <a:rPr lang="en-US"/>
               <a:t>Second level</a:t>
             </a:r>
           </a:p>
           <a:p>
             <a:pPr lvl="2"/>
             <a:r>
-              <a:rPr lang="en-US" smtClean="0"/>
+              <a:rPr lang="en-US"/>
               <a:t>Third level</a:t>
             </a:r>
           </a:p>
           <a:p>
             <a:pPr lvl="3"/>
             <a:r>
-              <a:rPr lang="en-US" smtClean="0"/>
+              <a:rPr lang="en-US"/>
               <a:t>Fourth level</a:t>
             </a:r>
           </a:p>
           <a:p>
             <a:pPr lvl="4"/>
             <a:r>
-              <a:rPr lang="en-US" smtClean="0"/>
+              <a:rPr lang="en-US"/>
               <a:t>Fifth level</a:t>
             </a:r>
             <a:endParaRPr lang="en-US" dirty="0"/>
@@ -4150,7 +4150,7 @@
           </a:lstStyle>
           <a:p>
             <a:r>
-              <a:rPr lang="en-US" smtClean="0"/>
+              <a:rPr lang="en-US"/>
               <a:t>Click to edit Master title style</a:t>
             </a:r>
             <a:endParaRPr lang="en-US" dirty="0"/>
@@ -4271,7 +4271,7 @@
           <a:p>
             <a:pPr lvl="0"/>
             <a:r>
-              <a:rPr lang="en-US" smtClean="0"/>
+              <a:rPr lang="en-US"/>
               <a:t>Click to edit Master text styles</a:t>
             </a:r>
           </a:p>
@@ -4413,7 +4413,7 @@
           <a:lstStyle/>
           <a:p>
             <a:r>
-              <a:rPr lang="en-US" smtClean="0"/>
+              <a:rPr lang="en-US"/>
               <a:t>Click to edit Master title style</a:t>
             </a:r>
             <a:endParaRPr lang="en-US" dirty="0"/>
@@ -4442,35 +4442,35 @@
           <a:p>
             <a:pPr lvl="0"/>
             <a:r>
-              <a:rPr lang="en-US" smtClean="0"/>
+              <a:rPr lang="en-US"/>
               <a:t>Click to edit Master text styles</a:t>
             </a:r>
           </a:p>
           <a:p>
             <a:pPr lvl="1"/>
             <a:r>
-              <a:rPr lang="en-US" smtClean="0"/>
+              <a:rPr lang="en-US"/>
               <a:t>Second level</a:t>
             </a:r>
           </a:p>
           <a:p>
             <a:pPr lvl="2"/>
             <a:r>
-              <a:rPr lang="en-US" smtClean="0"/>
+              <a:rPr lang="en-US"/>
               <a:t>Third level</a:t>
             </a:r>
           </a:p>
           <a:p>
             <a:pPr lvl="3"/>
             <a:r>
-              <a:rPr lang="en-US" smtClean="0"/>
+              <a:rPr lang="en-US"/>
               <a:t>Fourth level</a:t>
             </a:r>
           </a:p>
           <a:p>
             <a:pPr lvl="4"/>
             <a:r>
-              <a:rPr lang="en-US" smtClean="0"/>
+              <a:rPr lang="en-US"/>
               <a:t>Fifth level</a:t>
             </a:r>
             <a:endParaRPr lang="en-US" dirty="0"/>
@@ -4499,35 +4499,35 @@
           <a:p>
             <a:pPr lvl="0"/>
             <a:r>
-              <a:rPr lang="en-US" smtClean="0"/>
+              <a:rPr lang="en-US"/>
               <a:t>Click to edit Master text styles</a:t>
             </a:r>
           </a:p>
           <a:p>
             <a:pPr lvl="1"/>
             <a:r>
-              <a:rPr lang="en-US" smtClean="0"/>
+              <a:rPr lang="en-US"/>
               <a:t>Second level</a:t>
             </a:r>
           </a:p>
           <a:p>
             <a:pPr lvl="2"/>
             <a:r>
-              <a:rPr lang="en-US" smtClean="0"/>
+              <a:rPr lang="en-US"/>
               <a:t>Third level</a:t>
             </a:r>
           </a:p>
           <a:p>
             <a:pPr lvl="3"/>
             <a:r>
-              <a:rPr lang="en-US" smtClean="0"/>
+              <a:rPr lang="en-US"/>
               <a:t>Fourth level</a:t>
             </a:r>
           </a:p>
           <a:p>
             <a:pPr lvl="4"/>
             <a:r>
-              <a:rPr lang="en-US" smtClean="0"/>
+              <a:rPr lang="en-US"/>
               <a:t>Fifth level</a:t>
             </a:r>
             <a:endParaRPr lang="en-US" dirty="0"/>
@@ -4670,7 +4670,7 @@
           <a:lstStyle/>
           <a:p>
             <a:r>
-              <a:rPr lang="en-US" smtClean="0"/>
+              <a:rPr lang="en-US"/>
               <a:t>Click to edit Master title style</a:t>
             </a:r>
             <a:endParaRPr lang="en-US" dirty="0"/>
@@ -4742,7 +4742,7 @@
           <a:p>
             <a:pPr lvl="0"/>
             <a:r>
-              <a:rPr lang="en-US" smtClean="0"/>
+              <a:rPr lang="en-US"/>
               <a:t>Click to edit Master text styles</a:t>
             </a:r>
           </a:p>
@@ -4770,35 +4770,35 @@
           <a:p>
             <a:pPr lvl="0"/>
             <a:r>
-              <a:rPr lang="en-US" smtClean="0"/>
+              <a:rPr lang="en-US"/>
               <a:t>Click to edit Master text styles</a:t>
             </a:r>
           </a:p>
           <a:p>
             <a:pPr lvl="1"/>
             <a:r>
-              <a:rPr lang="en-US" smtClean="0"/>
+              <a:rPr lang="en-US"/>
               <a:t>Second level</a:t>
             </a:r>
           </a:p>
           <a:p>
             <a:pPr lvl="2"/>
             <a:r>
-              <a:rPr lang="en-US" smtClean="0"/>
+              <a:rPr lang="en-US"/>
               <a:t>Third level</a:t>
             </a:r>
           </a:p>
           <a:p>
             <a:pPr lvl="3"/>
             <a:r>
-              <a:rPr lang="en-US" smtClean="0"/>
+              <a:rPr lang="en-US"/>
               <a:t>Fourth level</a:t>
             </a:r>
           </a:p>
           <a:p>
             <a:pPr lvl="4"/>
             <a:r>
-              <a:rPr lang="en-US" smtClean="0"/>
+              <a:rPr lang="en-US"/>
               <a:t>Fifth level</a:t>
             </a:r>
             <a:endParaRPr lang="en-US" dirty="0"/>
@@ -4870,7 +4870,7 @@
           <a:p>
             <a:pPr lvl="0"/>
             <a:r>
-              <a:rPr lang="en-US" smtClean="0"/>
+              <a:rPr lang="en-US"/>
               <a:t>Click to edit Master text styles</a:t>
             </a:r>
           </a:p>
@@ -4898,35 +4898,35 @@
           <a:p>
             <a:pPr lvl="0"/>
             <a:r>
-              <a:rPr lang="en-US" smtClean="0"/>
+              <a:rPr lang="en-US"/>
               <a:t>Click to edit Master text styles</a:t>
             </a:r>
           </a:p>
           <a:p>
             <a:pPr lvl="1"/>
             <a:r>
-              <a:rPr lang="en-US" smtClean="0"/>
+              <a:rPr lang="en-US"/>
               <a:t>Second level</a:t>
             </a:r>
           </a:p>
           <a:p>
             <a:pPr lvl="2"/>
             <a:r>
-              <a:rPr lang="en-US" smtClean="0"/>
+              <a:rPr lang="en-US"/>
               <a:t>Third level</a:t>
             </a:r>
           </a:p>
           <a:p>
             <a:pPr lvl="3"/>
             <a:r>
-              <a:rPr lang="en-US" smtClean="0"/>
+              <a:rPr lang="en-US"/>
               <a:t>Fourth level</a:t>
             </a:r>
           </a:p>
           <a:p>
             <a:pPr lvl="4"/>
             <a:r>
-              <a:rPr lang="en-US" smtClean="0"/>
+              <a:rPr lang="en-US"/>
               <a:t>Fifth level</a:t>
             </a:r>
             <a:endParaRPr lang="en-US" dirty="0"/>
@@ -5064,7 +5064,7 @@
           <a:lstStyle/>
           <a:p>
             <a:r>
-              <a:rPr lang="en-US" smtClean="0"/>
+              <a:rPr lang="en-US"/>
               <a:t>Click to edit Master title style</a:t>
             </a:r>
             <a:endParaRPr lang="en-US" dirty="0"/>
@@ -5486,7 +5486,7 @@
           </a:lstStyle>
           <a:p>
             <a:r>
-              <a:rPr lang="en-US" smtClean="0"/>
+              <a:rPr lang="en-US"/>
               <a:t>Click to edit Master title style</a:t>
             </a:r>
             <a:endParaRPr lang="en-US" dirty="0"/>
@@ -5515,35 +5515,35 @@
           <a:p>
             <a:pPr lvl="0"/>
             <a:r>
-              <a:rPr lang="en-US" smtClean="0"/>
+              <a:rPr lang="en-US"/>
               <a:t>Click to edit Master text styles</a:t>
             </a:r>
           </a:p>
           <a:p>
             <a:pPr lvl="1"/>
             <a:r>
-              <a:rPr lang="en-US" smtClean="0"/>
+              <a:rPr lang="en-US"/>
               <a:t>Second level</a:t>
             </a:r>
           </a:p>
           <a:p>
             <a:pPr lvl="2"/>
             <a:r>
-              <a:rPr lang="en-US" smtClean="0"/>
+              <a:rPr lang="en-US"/>
               <a:t>Third level</a:t>
             </a:r>
           </a:p>
           <a:p>
             <a:pPr lvl="3"/>
             <a:r>
-              <a:rPr lang="en-US" smtClean="0"/>
+              <a:rPr lang="en-US"/>
               <a:t>Fourth level</a:t>
             </a:r>
           </a:p>
           <a:p>
             <a:pPr lvl="4"/>
             <a:r>
-              <a:rPr lang="en-US" smtClean="0"/>
+              <a:rPr lang="en-US"/>
               <a:t>Fifth level</a:t>
             </a:r>
             <a:endParaRPr lang="en-US" dirty="0"/>
@@ -5615,7 +5615,7 @@
           <a:p>
             <a:pPr lvl="0"/>
             <a:r>
-              <a:rPr lang="en-US" smtClean="0"/>
+              <a:rPr lang="en-US"/>
               <a:t>Click to edit Master text styles</a:t>
             </a:r>
           </a:p>
@@ -5782,7 +5782,7 @@
           <a:lstStyle/>
           <a:p>
             <a:r>
-              <a:rPr lang="en-US" smtClean="0"/>
+              <a:rPr lang="en-US"/>
               <a:t>Click to edit Master title style</a:t>
             </a:r>
             <a:endParaRPr lang="en-IN"/>
@@ -5806,35 +5806,35 @@
           <a:p>
             <a:pPr lvl="0"/>
             <a:r>
-              <a:rPr lang="en-US" smtClean="0"/>
+              <a:rPr lang="en-US"/>
               <a:t>Click to edit Master text styles</a:t>
             </a:r>
           </a:p>
           <a:p>
             <a:pPr lvl="1"/>
             <a:r>
-              <a:rPr lang="en-US" smtClean="0"/>
+              <a:rPr lang="en-US"/>
               <a:t>Second level</a:t>
             </a:r>
           </a:p>
           <a:p>
             <a:pPr lvl="2"/>
             <a:r>
-              <a:rPr lang="en-US" smtClean="0"/>
+              <a:rPr lang="en-US"/>
               <a:t>Third level</a:t>
             </a:r>
           </a:p>
           <a:p>
             <a:pPr lvl="3"/>
             <a:r>
-              <a:rPr lang="en-US" smtClean="0"/>
+              <a:rPr lang="en-US"/>
               <a:t>Fourth level</a:t>
             </a:r>
           </a:p>
           <a:p>
             <a:pPr lvl="4"/>
             <a:r>
-              <a:rPr lang="en-US" smtClean="0"/>
+              <a:rPr lang="en-US"/>
               <a:t>Fifth level</a:t>
             </a:r>
             <a:endParaRPr lang="en-IN"/>
@@ -5858,7 +5858,7 @@
           <a:p>
             <a:fld id="{D0D9FB7F-6612-4579-8E92-342E5F5B7703}" type="datetimeFigureOut">
               <a:rPr lang="en-IN" smtClean="0"/>
-              <a:t>13-09-2021</a:t>
+              <a:t>13/02/22</a:t>
             </a:fld>
             <a:endParaRPr lang="en-IN"/>
           </a:p>
@@ -6043,7 +6043,7 @@
           </a:lstStyle>
           <a:p>
             <a:r>
-              <a:rPr lang="en-US" smtClean="0"/>
+              <a:rPr lang="en-US"/>
               <a:t>Click to edit Master title style</a:t>
             </a:r>
             <a:endParaRPr lang="en-US" dirty="0"/>
@@ -6121,7 +6121,7 @@
           <a:p>
             <a:pPr lvl="0"/>
             <a:r>
-              <a:rPr lang="en-US" noProof="0" smtClean="0"/>
+              <a:rPr lang="en-US" noProof="0"/>
               <a:t>Click icon to add picture</a:t>
             </a:r>
             <a:endParaRPr lang="en-US" noProof="0" dirty="0"/>
@@ -6199,7 +6199,7 @@
           <a:p>
             <a:pPr lvl="0"/>
             <a:r>
-              <a:rPr lang="en-US" smtClean="0"/>
+              <a:rPr lang="en-US"/>
               <a:t>Click to edit Master text styles</a:t>
             </a:r>
           </a:p>
@@ -6336,7 +6336,7 @@
           <a:lstStyle/>
           <a:p>
             <a:r>
-              <a:rPr lang="en-US" smtClean="0"/>
+              <a:rPr lang="en-US"/>
               <a:t>Click to edit Master title style</a:t>
             </a:r>
             <a:endParaRPr lang="en-US" dirty="0"/>
@@ -6360,35 +6360,35 @@
           <a:p>
             <a:pPr lvl="0"/>
             <a:r>
-              <a:rPr lang="en-US" smtClean="0"/>
+              <a:rPr lang="en-US"/>
               <a:t>Click to edit Master text styles</a:t>
             </a:r>
           </a:p>
           <a:p>
             <a:pPr lvl="1"/>
             <a:r>
-              <a:rPr lang="en-US" smtClean="0"/>
+              <a:rPr lang="en-US"/>
               <a:t>Second level</a:t>
             </a:r>
           </a:p>
           <a:p>
             <a:pPr lvl="2"/>
             <a:r>
-              <a:rPr lang="en-US" smtClean="0"/>
+              <a:rPr lang="en-US"/>
               <a:t>Third level</a:t>
             </a:r>
           </a:p>
           <a:p>
             <a:pPr lvl="3"/>
             <a:r>
-              <a:rPr lang="en-US" smtClean="0"/>
+              <a:rPr lang="en-US"/>
               <a:t>Fourth level</a:t>
             </a:r>
           </a:p>
           <a:p>
             <a:pPr lvl="4"/>
             <a:r>
-              <a:rPr lang="en-US" smtClean="0"/>
+              <a:rPr lang="en-US"/>
               <a:t>Fifth level</a:t>
             </a:r>
             <a:endParaRPr lang="en-US" dirty="0"/>
@@ -6607,7 +6607,7 @@
           <a:lstStyle/>
           <a:p>
             <a:r>
-              <a:rPr lang="en-US" smtClean="0"/>
+              <a:rPr lang="en-US"/>
               <a:t>Click to edit Master title style</a:t>
             </a:r>
             <a:endParaRPr lang="en-US" dirty="0"/>
@@ -6636,35 +6636,35 @@
           <a:p>
             <a:pPr lvl="0"/>
             <a:r>
-              <a:rPr lang="en-US" smtClean="0"/>
+              <a:rPr lang="en-US"/>
               <a:t>Click to edit Master text styles</a:t>
             </a:r>
           </a:p>
           <a:p>
             <a:pPr lvl="1"/>
             <a:r>
-              <a:rPr lang="en-US" smtClean="0"/>
+              <a:rPr lang="en-US"/>
               <a:t>Second level</a:t>
             </a:r>
           </a:p>
           <a:p>
             <a:pPr lvl="2"/>
             <a:r>
-              <a:rPr lang="en-US" smtClean="0"/>
+              <a:rPr lang="en-US"/>
               <a:t>Third level</a:t>
             </a:r>
           </a:p>
           <a:p>
             <a:pPr lvl="3"/>
             <a:r>
-              <a:rPr lang="en-US" smtClean="0"/>
+              <a:rPr lang="en-US"/>
               <a:t>Fourth level</a:t>
             </a:r>
           </a:p>
           <a:p>
             <a:pPr lvl="4"/>
             <a:r>
-              <a:rPr lang="en-US" smtClean="0"/>
+              <a:rPr lang="en-US"/>
               <a:t>Fifth level</a:t>
             </a:r>
             <a:endParaRPr lang="en-US" dirty="0"/>
@@ -6807,10 +6807,9 @@
           <a:lstStyle/>
           <a:p>
             <a:r>
-              <a:rPr lang="en-US" smtClean="0"/>
+              <a:rPr lang="en-US"/>
               <a:t>Click to edit Master title style</a:t>
             </a:r>
-            <a:endParaRPr lang="en-US"/>
           </a:p>
         </p:txBody>
       </p:sp>
@@ -6836,38 +6835,37 @@
           <a:p>
             <a:pPr lvl="0"/>
             <a:r>
-              <a:rPr lang="en-US" smtClean="0"/>
+              <a:rPr lang="en-US"/>
               <a:t>Click to edit Master text styles</a:t>
             </a:r>
           </a:p>
           <a:p>
             <a:pPr lvl="1"/>
             <a:r>
-              <a:rPr lang="en-US" smtClean="0"/>
+              <a:rPr lang="en-US"/>
               <a:t>Second level</a:t>
             </a:r>
           </a:p>
           <a:p>
             <a:pPr lvl="2"/>
             <a:r>
-              <a:rPr lang="en-US" smtClean="0"/>
+              <a:rPr lang="en-US"/>
               <a:t>Third level</a:t>
             </a:r>
           </a:p>
           <a:p>
             <a:pPr lvl="3"/>
             <a:r>
-              <a:rPr lang="en-US" smtClean="0"/>
+              <a:rPr lang="en-US"/>
               <a:t>Fourth level</a:t>
             </a:r>
           </a:p>
           <a:p>
             <a:pPr lvl="4"/>
             <a:r>
-              <a:rPr lang="en-US" smtClean="0"/>
+              <a:rPr lang="en-US"/>
               <a:t>Fifth level</a:t>
             </a:r>
-            <a:endParaRPr lang="en-US"/>
           </a:p>
         </p:txBody>
       </p:sp>
@@ -6893,38 +6891,37 @@
           <a:p>
             <a:pPr lvl="0"/>
             <a:r>
-              <a:rPr lang="en-US" smtClean="0"/>
+              <a:rPr lang="en-US"/>
               <a:t>Click to edit Master text styles</a:t>
             </a:r>
           </a:p>
           <a:p>
             <a:pPr lvl="1"/>
             <a:r>
-              <a:rPr lang="en-US" smtClean="0"/>
+              <a:rPr lang="en-US"/>
               <a:t>Second level</a:t>
             </a:r>
           </a:p>
           <a:p>
             <a:pPr lvl="2"/>
             <a:r>
-              <a:rPr lang="en-US" smtClean="0"/>
+              <a:rPr lang="en-US"/>
               <a:t>Third level</a:t>
             </a:r>
           </a:p>
           <a:p>
             <a:pPr lvl="3"/>
             <a:r>
-              <a:rPr lang="en-US" smtClean="0"/>
+              <a:rPr lang="en-US"/>
               <a:t>Fourth level</a:t>
             </a:r>
           </a:p>
           <a:p>
             <a:pPr lvl="4"/>
             <a:r>
-              <a:rPr lang="en-US" smtClean="0"/>
+              <a:rPr lang="en-US"/>
               <a:t>Fifth level</a:t>
             </a:r>
-            <a:endParaRPr lang="en-US"/>
           </a:p>
         </p:txBody>
       </p:sp>
@@ -6950,38 +6947,37 @@
           <a:p>
             <a:pPr lvl="0"/>
             <a:r>
-              <a:rPr lang="en-US" smtClean="0"/>
+              <a:rPr lang="en-US"/>
               <a:t>Click to edit Master text styles</a:t>
             </a:r>
           </a:p>
           <a:p>
             <a:pPr lvl="1"/>
             <a:r>
-              <a:rPr lang="en-US" smtClean="0"/>
+              <a:rPr lang="en-US"/>
               <a:t>Second level</a:t>
             </a:r>
           </a:p>
           <a:p>
             <a:pPr lvl="2"/>
             <a:r>
-              <a:rPr lang="en-US" smtClean="0"/>
+              <a:rPr lang="en-US"/>
               <a:t>Third level</a:t>
             </a:r>
           </a:p>
           <a:p>
             <a:pPr lvl="3"/>
             <a:r>
-              <a:rPr lang="en-US" smtClean="0"/>
+              <a:rPr lang="en-US"/>
               <a:t>Fourth level</a:t>
             </a:r>
           </a:p>
           <a:p>
             <a:pPr lvl="4"/>
             <a:r>
-              <a:rPr lang="en-US" smtClean="0"/>
+              <a:rPr lang="en-US"/>
               <a:t>Fifth level</a:t>
             </a:r>
-            <a:endParaRPr lang="en-US"/>
           </a:p>
         </p:txBody>
       </p:sp>
@@ -7072,10 +7068,9 @@
           <a:lstStyle/>
           <a:p>
             <a:r>
-              <a:rPr lang="en-US" smtClean="0"/>
+              <a:rPr lang="en-US"/>
               <a:t>Click to edit Master title style</a:t>
             </a:r>
-            <a:endParaRPr lang="en-US"/>
           </a:p>
         </p:txBody>
       </p:sp>
@@ -7101,38 +7096,37 @@
           <a:p>
             <a:pPr lvl="0"/>
             <a:r>
-              <a:rPr lang="en-US" smtClean="0"/>
+              <a:rPr lang="en-US"/>
               <a:t>Click to edit Master text styles</a:t>
             </a:r>
           </a:p>
           <a:p>
             <a:pPr lvl="1"/>
             <a:r>
-              <a:rPr lang="en-US" smtClean="0"/>
+              <a:rPr lang="en-US"/>
               <a:t>Second level</a:t>
             </a:r>
           </a:p>
           <a:p>
             <a:pPr lvl="2"/>
             <a:r>
-              <a:rPr lang="en-US" smtClean="0"/>
+              <a:rPr lang="en-US"/>
               <a:t>Third level</a:t>
             </a:r>
           </a:p>
           <a:p>
             <a:pPr lvl="3"/>
             <a:r>
-              <a:rPr lang="en-US" smtClean="0"/>
+              <a:rPr lang="en-US"/>
               <a:t>Fourth level</a:t>
             </a:r>
           </a:p>
           <a:p>
             <a:pPr lvl="4"/>
             <a:r>
-              <a:rPr lang="en-US" smtClean="0"/>
+              <a:rPr lang="en-US"/>
               <a:t>Fifth level</a:t>
             </a:r>
-            <a:endParaRPr lang="en-US"/>
           </a:p>
         </p:txBody>
       </p:sp>
@@ -7158,38 +7152,37 @@
           <a:p>
             <a:pPr lvl="0"/>
             <a:r>
-              <a:rPr lang="en-US" smtClean="0"/>
+              <a:rPr lang="en-US"/>
               <a:t>Click to edit Master text styles</a:t>
             </a:r>
           </a:p>
           <a:p>
             <a:pPr lvl="1"/>
             <a:r>
-              <a:rPr lang="en-US" smtClean="0"/>
+              <a:rPr lang="en-US"/>
               <a:t>Second level</a:t>
             </a:r>
           </a:p>
           <a:p>
             <a:pPr lvl="2"/>
             <a:r>
-              <a:rPr lang="en-US" smtClean="0"/>
+              <a:rPr lang="en-US"/>
               <a:t>Third level</a:t>
             </a:r>
           </a:p>
           <a:p>
             <a:pPr lvl="3"/>
             <a:r>
-              <a:rPr lang="en-US" smtClean="0"/>
+              <a:rPr lang="en-US"/>
               <a:t>Fourth level</a:t>
             </a:r>
           </a:p>
           <a:p>
             <a:pPr lvl="4"/>
             <a:r>
-              <a:rPr lang="en-US" smtClean="0"/>
+              <a:rPr lang="en-US"/>
               <a:t>Fifth level</a:t>
             </a:r>
-            <a:endParaRPr lang="en-US"/>
           </a:p>
         </p:txBody>
       </p:sp>
@@ -7284,7 +7277,7 @@
           </a:lstStyle>
           <a:p>
             <a:r>
-              <a:rPr lang="en-US" smtClean="0"/>
+              <a:rPr lang="en-US"/>
               <a:t>Click to edit Master title style</a:t>
             </a:r>
             <a:endParaRPr lang="en-IN"/>
@@ -7404,7 +7397,7 @@
           <a:p>
             <a:pPr lvl="0"/>
             <a:r>
-              <a:rPr lang="en-US" smtClean="0"/>
+              <a:rPr lang="en-US"/>
               <a:t>Click to edit Master text styles</a:t>
             </a:r>
           </a:p>
@@ -7427,7 +7420,7 @@
           <a:p>
             <a:fld id="{D0D9FB7F-6612-4579-8E92-342E5F5B7703}" type="datetimeFigureOut">
               <a:rPr lang="en-IN" smtClean="0"/>
-              <a:t>13-09-2021</a:t>
+              <a:t>13/02/22</a:t>
             </a:fld>
             <a:endParaRPr lang="en-IN"/>
           </a:p>
@@ -7521,7 +7514,7 @@
           <a:lstStyle/>
           <a:p>
             <a:r>
-              <a:rPr lang="en-US" smtClean="0"/>
+              <a:rPr lang="en-US"/>
               <a:t>Click to edit Master title style</a:t>
             </a:r>
             <a:endParaRPr lang="en-IN"/>
@@ -7550,35 +7543,35 @@
           <a:p>
             <a:pPr lvl="0"/>
             <a:r>
-              <a:rPr lang="en-US" smtClean="0"/>
+              <a:rPr lang="en-US"/>
               <a:t>Click to edit Master text styles</a:t>
             </a:r>
           </a:p>
           <a:p>
             <a:pPr lvl="1"/>
             <a:r>
-              <a:rPr lang="en-US" smtClean="0"/>
+              <a:rPr lang="en-US"/>
               <a:t>Second level</a:t>
             </a:r>
           </a:p>
           <a:p>
             <a:pPr lvl="2"/>
             <a:r>
-              <a:rPr lang="en-US" smtClean="0"/>
+              <a:rPr lang="en-US"/>
               <a:t>Third level</a:t>
             </a:r>
           </a:p>
           <a:p>
             <a:pPr lvl="3"/>
             <a:r>
-              <a:rPr lang="en-US" smtClean="0"/>
+              <a:rPr lang="en-US"/>
               <a:t>Fourth level</a:t>
             </a:r>
           </a:p>
           <a:p>
             <a:pPr lvl="4"/>
             <a:r>
-              <a:rPr lang="en-US" smtClean="0"/>
+              <a:rPr lang="en-US"/>
               <a:t>Fifth level</a:t>
             </a:r>
             <a:endParaRPr lang="en-IN"/>
@@ -7607,35 +7600,35 @@
           <a:p>
             <a:pPr lvl="0"/>
             <a:r>
-              <a:rPr lang="en-US" smtClean="0"/>
+              <a:rPr lang="en-US"/>
               <a:t>Click to edit Master text styles</a:t>
             </a:r>
           </a:p>
           <a:p>
             <a:pPr lvl="1"/>
             <a:r>
-              <a:rPr lang="en-US" smtClean="0"/>
+              <a:rPr lang="en-US"/>
               <a:t>Second level</a:t>
             </a:r>
           </a:p>
           <a:p>
             <a:pPr lvl="2"/>
             <a:r>
-              <a:rPr lang="en-US" smtClean="0"/>
+              <a:rPr lang="en-US"/>
               <a:t>Third level</a:t>
             </a:r>
           </a:p>
           <a:p>
             <a:pPr lvl="3"/>
             <a:r>
-              <a:rPr lang="en-US" smtClean="0"/>
+              <a:rPr lang="en-US"/>
               <a:t>Fourth level</a:t>
             </a:r>
           </a:p>
           <a:p>
             <a:pPr lvl="4"/>
             <a:r>
-              <a:rPr lang="en-US" smtClean="0"/>
+              <a:rPr lang="en-US"/>
               <a:t>Fifth level</a:t>
             </a:r>
             <a:endParaRPr lang="en-IN"/>
@@ -7659,7 +7652,7 @@
           <a:p>
             <a:fld id="{D0D9FB7F-6612-4579-8E92-342E5F5B7703}" type="datetimeFigureOut">
               <a:rPr lang="en-IN" smtClean="0"/>
-              <a:t>13-09-2021</a:t>
+              <a:t>13/02/22</a:t>
             </a:fld>
             <a:endParaRPr lang="en-IN"/>
           </a:p>
@@ -7758,7 +7751,7 @@
           <a:lstStyle/>
           <a:p>
             <a:r>
-              <a:rPr lang="en-US" smtClean="0"/>
+              <a:rPr lang="en-US"/>
               <a:t>Click to edit Master title style</a:t>
             </a:r>
             <a:endParaRPr lang="en-IN"/>
@@ -7824,7 +7817,7 @@
           <a:p>
             <a:pPr lvl="0"/>
             <a:r>
-              <a:rPr lang="en-US" smtClean="0"/>
+              <a:rPr lang="en-US"/>
               <a:t>Click to edit Master text styles</a:t>
             </a:r>
           </a:p>
@@ -7852,35 +7845,35 @@
           <a:p>
             <a:pPr lvl="0"/>
             <a:r>
-              <a:rPr lang="en-US" smtClean="0"/>
+              <a:rPr lang="en-US"/>
               <a:t>Click to edit Master text styles</a:t>
             </a:r>
           </a:p>
           <a:p>
             <a:pPr lvl="1"/>
             <a:r>
-              <a:rPr lang="en-US" smtClean="0"/>
+              <a:rPr lang="en-US"/>
               <a:t>Second level</a:t>
             </a:r>
           </a:p>
           <a:p>
             <a:pPr lvl="2"/>
             <a:r>
-              <a:rPr lang="en-US" smtClean="0"/>
+              <a:rPr lang="en-US"/>
               <a:t>Third level</a:t>
             </a:r>
           </a:p>
           <a:p>
             <a:pPr lvl="3"/>
             <a:r>
-              <a:rPr lang="en-US" smtClean="0"/>
+              <a:rPr lang="en-US"/>
               <a:t>Fourth level</a:t>
             </a:r>
           </a:p>
           <a:p>
             <a:pPr lvl="4"/>
             <a:r>
-              <a:rPr lang="en-US" smtClean="0"/>
+              <a:rPr lang="en-US"/>
               <a:t>Fifth level</a:t>
             </a:r>
             <a:endParaRPr lang="en-IN"/>
@@ -7946,7 +7939,7 @@
           <a:p>
             <a:pPr lvl="0"/>
             <a:r>
-              <a:rPr lang="en-US" smtClean="0"/>
+              <a:rPr lang="en-US"/>
               <a:t>Click to edit Master text styles</a:t>
             </a:r>
           </a:p>
@@ -7974,35 +7967,35 @@
           <a:p>
             <a:pPr lvl="0"/>
             <a:r>
-              <a:rPr lang="en-US" smtClean="0"/>
+              <a:rPr lang="en-US"/>
               <a:t>Click to edit Master text styles</a:t>
             </a:r>
           </a:p>
           <a:p>
             <a:pPr lvl="1"/>
             <a:r>
-              <a:rPr lang="en-US" smtClean="0"/>
+              <a:rPr lang="en-US"/>
               <a:t>Second level</a:t>
             </a:r>
           </a:p>
           <a:p>
             <a:pPr lvl="2"/>
             <a:r>
-              <a:rPr lang="en-US" smtClean="0"/>
+              <a:rPr lang="en-US"/>
               <a:t>Third level</a:t>
             </a:r>
           </a:p>
           <a:p>
             <a:pPr lvl="3"/>
             <a:r>
-              <a:rPr lang="en-US" smtClean="0"/>
+              <a:rPr lang="en-US"/>
               <a:t>Fourth level</a:t>
             </a:r>
           </a:p>
           <a:p>
             <a:pPr lvl="4"/>
             <a:r>
-              <a:rPr lang="en-US" smtClean="0"/>
+              <a:rPr lang="en-US"/>
               <a:t>Fifth level</a:t>
             </a:r>
             <a:endParaRPr lang="en-IN"/>
@@ -8026,7 +8019,7 @@
           <a:p>
             <a:fld id="{D0D9FB7F-6612-4579-8E92-342E5F5B7703}" type="datetimeFigureOut">
               <a:rPr lang="en-IN" smtClean="0"/>
-              <a:t>13-09-2021</a:t>
+              <a:t>13/02/22</a:t>
             </a:fld>
             <a:endParaRPr lang="en-IN"/>
           </a:p>
@@ -8120,7 +8113,7 @@
           <a:lstStyle/>
           <a:p>
             <a:r>
-              <a:rPr lang="en-US" smtClean="0"/>
+              <a:rPr lang="en-US"/>
               <a:t>Click to edit Master title style</a:t>
             </a:r>
             <a:endParaRPr lang="en-IN"/>
@@ -8144,7 +8137,7 @@
           <a:p>
             <a:fld id="{D0D9FB7F-6612-4579-8E92-342E5F5B7703}" type="datetimeFigureOut">
               <a:rPr lang="en-IN" smtClean="0"/>
-              <a:t>13-09-2021</a:t>
+              <a:t>13/02/22</a:t>
             </a:fld>
             <a:endParaRPr lang="en-IN"/>
           </a:p>
@@ -8239,7 +8232,7 @@
           <a:p>
             <a:fld id="{D0D9FB7F-6612-4579-8E92-342E5F5B7703}" type="datetimeFigureOut">
               <a:rPr lang="en-IN" smtClean="0"/>
-              <a:t>13-09-2021</a:t>
+              <a:t>13/02/22</a:t>
             </a:fld>
             <a:endParaRPr lang="en-IN"/>
           </a:p>
@@ -8342,7 +8335,7 @@
           </a:lstStyle>
           <a:p>
             <a:r>
-              <a:rPr lang="en-US" smtClean="0"/>
+              <a:rPr lang="en-US"/>
               <a:t>Click to edit Master title style</a:t>
             </a:r>
             <a:endParaRPr lang="en-IN"/>
@@ -8399,35 +8392,35 @@
           <a:p>
             <a:pPr lvl="0"/>
             <a:r>
-              <a:rPr lang="en-US" smtClean="0"/>
+              <a:rPr lang="en-US"/>
               <a:t>Click to edit Master text styles</a:t>
             </a:r>
           </a:p>
           <a:p>
             <a:pPr lvl="1"/>
             <a:r>
-              <a:rPr lang="en-US" smtClean="0"/>
+              <a:rPr lang="en-US"/>
               <a:t>Second level</a:t>
             </a:r>
           </a:p>
           <a:p>
             <a:pPr lvl="2"/>
             <a:r>
-              <a:rPr lang="en-US" smtClean="0"/>
+              <a:rPr lang="en-US"/>
               <a:t>Third level</a:t>
             </a:r>
           </a:p>
           <a:p>
             <a:pPr lvl="3"/>
             <a:r>
-              <a:rPr lang="en-US" smtClean="0"/>
+              <a:rPr lang="en-US"/>
               <a:t>Fourth level</a:t>
             </a:r>
           </a:p>
           <a:p>
             <a:pPr lvl="4"/>
             <a:r>
-              <a:rPr lang="en-US" smtClean="0"/>
+              <a:rPr lang="en-US"/>
               <a:t>Fifth level</a:t>
             </a:r>
             <a:endParaRPr lang="en-IN"/>
@@ -8493,7 +8486,7 @@
           <a:p>
             <a:pPr lvl="0"/>
             <a:r>
-              <a:rPr lang="en-US" smtClean="0"/>
+              <a:rPr lang="en-US"/>
               <a:t>Click to edit Master text styles</a:t>
             </a:r>
           </a:p>
@@ -8516,7 +8509,7 @@
           <a:p>
             <a:fld id="{D0D9FB7F-6612-4579-8E92-342E5F5B7703}" type="datetimeFigureOut">
               <a:rPr lang="en-IN" smtClean="0"/>
-              <a:t>13-09-2021</a:t>
+              <a:t>13/02/22</a:t>
             </a:fld>
             <a:endParaRPr lang="en-IN"/>
           </a:p>
@@ -8619,7 +8612,7 @@
           </a:lstStyle>
           <a:p>
             <a:r>
-              <a:rPr lang="en-US" smtClean="0"/>
+              <a:rPr lang="en-US"/>
               <a:t>Click to edit Master title style</a:t>
             </a:r>
             <a:endParaRPr lang="en-IN"/>
@@ -8746,7 +8739,7 @@
           <a:p>
             <a:pPr lvl="0"/>
             <a:r>
-              <a:rPr lang="en-US" smtClean="0"/>
+              <a:rPr lang="en-US"/>
               <a:t>Click to edit Master text styles</a:t>
             </a:r>
           </a:p>
@@ -8769,7 +8762,7 @@
           <a:p>
             <a:fld id="{D0D9FB7F-6612-4579-8E92-342E5F5B7703}" type="datetimeFigureOut">
               <a:rPr lang="en-IN" smtClean="0"/>
-              <a:t>13-09-2021</a:t>
+              <a:t>13/02/22</a:t>
             </a:fld>
             <a:endParaRPr lang="en-IN"/>
           </a:p>
@@ -8878,7 +8871,7 @@
           <a:lstStyle/>
           <a:p>
             <a:r>
-              <a:rPr lang="en-US" smtClean="0"/>
+              <a:rPr lang="en-US"/>
               <a:t>Click to edit Master title style</a:t>
             </a:r>
             <a:endParaRPr lang="en-IN"/>
@@ -8912,35 +8905,35 @@
           <a:p>
             <a:pPr lvl="0"/>
             <a:r>
-              <a:rPr lang="en-US" smtClean="0"/>
+              <a:rPr lang="en-US"/>
               <a:t>Click to edit Master text styles</a:t>
             </a:r>
           </a:p>
           <a:p>
             <a:pPr lvl="1"/>
             <a:r>
-              <a:rPr lang="en-US" smtClean="0"/>
+              <a:rPr lang="en-US"/>
               <a:t>Second level</a:t>
             </a:r>
           </a:p>
           <a:p>
             <a:pPr lvl="2"/>
             <a:r>
-              <a:rPr lang="en-US" smtClean="0"/>
+              <a:rPr lang="en-US"/>
               <a:t>Third level</a:t>
             </a:r>
           </a:p>
           <a:p>
             <a:pPr lvl="3"/>
             <a:r>
-              <a:rPr lang="en-US" smtClean="0"/>
+              <a:rPr lang="en-US"/>
               <a:t>Fourth level</a:t>
             </a:r>
           </a:p>
           <a:p>
             <a:pPr lvl="4"/>
             <a:r>
-              <a:rPr lang="en-US" smtClean="0"/>
+              <a:rPr lang="en-US"/>
               <a:t>Fifth level</a:t>
             </a:r>
             <a:endParaRPr lang="en-IN"/>
@@ -8982,7 +8975,7 @@
           <a:p>
             <a:fld id="{D0D9FB7F-6612-4579-8E92-342E5F5B7703}" type="datetimeFigureOut">
               <a:rPr lang="en-IN" smtClean="0"/>
-              <a:t>13-09-2021</a:t>
+              <a:t>13/02/22</a:t>
             </a:fld>
             <a:endParaRPr lang="en-IN"/>
           </a:p>
@@ -9494,7 +9487,7 @@
           <a:lstStyle/>
           <a:p>
             <a:r>
-              <a:rPr lang="en-US" smtClean="0"/>
+              <a:rPr lang="en-US"/>
               <a:t>Click to edit Master title style</a:t>
             </a:r>
             <a:endParaRPr lang="en-US" dirty="0"/>
@@ -9553,35 +9546,35 @@
           <a:p>
             <a:pPr lvl="0"/>
             <a:r>
-              <a:rPr lang="en-US" smtClean="0"/>
+              <a:rPr lang="en-US"/>
               <a:t>Click to edit Master text styles</a:t>
             </a:r>
           </a:p>
           <a:p>
             <a:pPr lvl="1"/>
             <a:r>
-              <a:rPr lang="en-US" smtClean="0"/>
+              <a:rPr lang="en-US"/>
               <a:t>Second level</a:t>
             </a:r>
           </a:p>
           <a:p>
             <a:pPr lvl="2"/>
             <a:r>
-              <a:rPr lang="en-US" smtClean="0"/>
+              <a:rPr lang="en-US"/>
               <a:t>Third level</a:t>
             </a:r>
           </a:p>
           <a:p>
             <a:pPr lvl="3"/>
             <a:r>
-              <a:rPr lang="en-US" smtClean="0"/>
+              <a:rPr lang="en-US"/>
               <a:t>Fourth level</a:t>
             </a:r>
           </a:p>
           <a:p>
             <a:pPr lvl="4"/>
             <a:r>
-              <a:rPr lang="en-US" smtClean="0"/>
+              <a:rPr lang="en-US"/>
               <a:t>Fifth level</a:t>
             </a:r>
           </a:p>
@@ -10317,16 +10310,612 @@
             <p:ph type="ctrTitle"/>
           </p:nvPr>
         </p:nvSpPr>
-        <p:spPr/>
+        <p:spPr>
+          <a:xfrm>
+            <a:off x="2448910" y="199696"/>
+            <a:ext cx="7294179" cy="966460"/>
+          </a:xfrm>
+        </p:spPr>
         <p:txBody>
           <a:bodyPr/>
           <a:lstStyle/>
           <a:p>
             <a:r>
-              <a:rPr lang="en-IN" dirty="0" smtClean="0"/>
+              <a:rPr lang="en-IN" dirty="0"/>
               <a:t>Bayesian Classification</a:t>
             </a:r>
-            <a:endParaRPr lang="en-IN" dirty="0"/>
+          </a:p>
+        </p:txBody>
+      </p:sp>
+      <p:graphicFrame>
+        <p:nvGraphicFramePr>
+          <p:cNvPr id="3" name="Object 1">
+            <a:extLst>
+              <a:ext uri="{FF2B5EF4-FFF2-40B4-BE49-F238E27FC236}">
+                <a16:creationId xmlns:a16="http://schemas.microsoft.com/office/drawing/2014/main" id="{4B3B792D-AC11-C541-8C47-B9F55184E0E1}"/>
+              </a:ext>
+            </a:extLst>
+          </p:cNvPr>
+          <p:cNvGraphicFramePr>
+            <a:graphicFrameLocks noChangeAspect="1"/>
+          </p:cNvGraphicFramePr>
+          <p:nvPr>
+            <p:extLst>
+              <p:ext uri="{D42A27DB-BD31-4B8C-83A1-F6EECF244321}">
+                <p14:modId xmlns:p14="http://schemas.microsoft.com/office/powerpoint/2010/main" val="915601967"/>
+              </p:ext>
+            </p:extLst>
+          </p:nvPr>
+        </p:nvGraphicFramePr>
+        <p:xfrm>
+          <a:off x="2448910" y="1315264"/>
+          <a:ext cx="3721846" cy="377043"/>
+        </p:xfrm>
+        <a:graphic>
+          <a:graphicData uri="http://schemas.openxmlformats.org/presentationml/2006/ole">
+            <mc:AlternateContent xmlns:mc="http://schemas.openxmlformats.org/markup-compatibility/2006">
+              <mc:Choice xmlns:v="urn:schemas-microsoft-com:vml" Requires="v">
+                <p:oleObj spid="_x0000_s11277" name="Equation" r:id="rId3" imgW="4813300" imgH="558800" progId="Equation.3">
+                  <p:embed/>
+                </p:oleObj>
+              </mc:Choice>
+              <mc:Fallback>
+                <p:oleObj name="Equation" r:id="rId3" imgW="4813300" imgH="558800" progId="Equation.3">
+                  <p:embed/>
+                  <p:pic>
+                    <p:nvPicPr>
+                      <p:cNvPr id="90117" name="Object 1"/>
+                      <p:cNvPicPr>
+                        <a:picLocks noChangeAspect="1" noChangeArrowheads="1"/>
+                      </p:cNvPicPr>
+                      <p:nvPr/>
+                    </p:nvPicPr>
+                    <p:blipFill>
+                      <a:blip r:embed="rId4">
+                        <a:extLst>
+                          <a:ext uri="{28A0092B-C50C-407E-A947-70E740481C1C}">
+                            <a14:useLocalDpi xmlns:a14="http://schemas.microsoft.com/office/drawing/2010/main" val="0"/>
+                          </a:ext>
+                        </a:extLst>
+                      </a:blip>
+                      <a:srcRect/>
+                      <a:stretch>
+                        <a:fillRect/>
+                      </a:stretch>
+                    </p:blipFill>
+                    <p:spPr bwMode="auto">
+                      <a:xfrm>
+                        <a:off x="2448910" y="1315264"/>
+                        <a:ext cx="3721846" cy="377043"/>
+                      </a:xfrm>
+                      <a:prstGeom prst="rect">
+                        <a:avLst/>
+                      </a:prstGeom>
+                      <a:noFill/>
+                      <a:ln>
+                        <a:noFill/>
+                      </a:ln>
+                    </p:spPr>
+                  </p:pic>
+                </p:oleObj>
+              </mc:Fallback>
+            </mc:AlternateContent>
+          </a:graphicData>
+        </a:graphic>
+      </p:graphicFrame>
+      <p:graphicFrame>
+        <p:nvGraphicFramePr>
+          <p:cNvPr id="4" name="Object 12">
+            <a:extLst>
+              <a:ext uri="{FF2B5EF4-FFF2-40B4-BE49-F238E27FC236}">
+                <a16:creationId xmlns:a16="http://schemas.microsoft.com/office/drawing/2014/main" id="{BE448B49-4BAC-B64D-980D-B61C7F1CB720}"/>
+              </a:ext>
+            </a:extLst>
+          </p:cNvPr>
+          <p:cNvGraphicFramePr>
+            <a:graphicFrameLocks/>
+          </p:cNvGraphicFramePr>
+          <p:nvPr>
+            <p:extLst>
+              <p:ext uri="{D42A27DB-BD31-4B8C-83A1-F6EECF244321}">
+                <p14:modId xmlns:p14="http://schemas.microsoft.com/office/powerpoint/2010/main" val="2328741752"/>
+              </p:ext>
+            </p:extLst>
+          </p:nvPr>
+        </p:nvGraphicFramePr>
+        <p:xfrm>
+          <a:off x="2448910" y="1641084"/>
+          <a:ext cx="2889250" cy="838200"/>
+        </p:xfrm>
+        <a:graphic>
+          <a:graphicData uri="http://schemas.openxmlformats.org/presentationml/2006/ole">
+            <mc:AlternateContent xmlns:mc="http://schemas.openxmlformats.org/markup-compatibility/2006">
+              <mc:Choice xmlns:v="urn:schemas-microsoft-com:vml" Requires="v">
+                <p:oleObj spid="_x0000_s11278" name="Equation" r:id="rId5" imgW="1663700" imgH="482600" progId="Equation.3">
+                  <p:embed/>
+                </p:oleObj>
+              </mc:Choice>
+              <mc:Fallback>
+                <p:oleObj name="Equation" r:id="rId5" imgW="1663700" imgH="482600" progId="Equation.3">
+                  <p:embed/>
+                  <p:pic>
+                    <p:nvPicPr>
+                      <p:cNvPr id="96261" name="Object 12"/>
+                      <p:cNvPicPr>
+                        <a:picLocks noGrp="1" noChangeArrowheads="1"/>
+                      </p:cNvPicPr>
+                      <p:nvPr/>
+                    </p:nvPicPr>
+                    <p:blipFill>
+                      <a:blip r:embed="rId6">
+                        <a:extLst>
+                          <a:ext uri="{28A0092B-C50C-407E-A947-70E740481C1C}">
+                            <a14:useLocalDpi xmlns:a14="http://schemas.microsoft.com/office/drawing/2010/main" val="0"/>
+                          </a:ext>
+                        </a:extLst>
+                      </a:blip>
+                      <a:srcRect/>
+                      <a:stretch>
+                        <a:fillRect/>
+                      </a:stretch>
+                    </p:blipFill>
+                    <p:spPr bwMode="auto">
+                      <a:xfrm>
+                        <a:off x="2448910" y="1641084"/>
+                        <a:ext cx="2889250" cy="838200"/>
+                      </a:xfrm>
+                      <a:prstGeom prst="rect">
+                        <a:avLst/>
+                      </a:prstGeom>
+                      <a:noFill/>
+                      <a:ln>
+                        <a:noFill/>
+                      </a:ln>
+                      <a:effectLst/>
+                      <a:extLst>
+                        <a:ext uri="{909E8E84-426E-40DD-AFC4-6F175D3DCCD1}">
+                          <a14:hiddenFill xmlns:a14="http://schemas.microsoft.com/office/drawing/2010/main">
+                            <a:solidFill>
+                              <a:schemeClr val="accent1"/>
+                            </a:solidFill>
+                          </a14:hiddenFill>
+                        </a:ext>
+                        <a:ext uri="{91240B29-F687-4F45-9708-019B960494DF}">
+                          <a14:hiddenLine xmlns:a14="http://schemas.microsoft.com/office/drawing/2010/main" w="9525">
+                            <a:solidFill>
+                              <a:schemeClr val="tx1"/>
+                            </a:solidFill>
+                            <a:miter lim="800000"/>
+                            <a:headEnd/>
+                            <a:tailEnd/>
+                          </a14:hiddenLine>
+                        </a:ext>
+                        <a:ext uri="{AF507438-7753-43E0-B8FC-AC1667EBCBE1}">
+                          <a14:hiddenEffects xmlns:a14="http://schemas.microsoft.com/office/drawing/2010/main">
+                            <a:effectLst>
+                              <a:outerShdw dist="35921" dir="2700000" algn="ctr" rotWithShape="0">
+                                <a:schemeClr val="bg2"/>
+                              </a:outerShdw>
+                            </a:effectLst>
+                          </a14:hiddenEffects>
+                        </a:ext>
+                      </a:extLst>
+                    </p:spPr>
+                  </p:pic>
+                </p:oleObj>
+              </mc:Fallback>
+            </mc:AlternateContent>
+          </a:graphicData>
+        </a:graphic>
+      </p:graphicFrame>
+      <p:sp>
+        <p:nvSpPr>
+          <p:cNvPr id="5" name="TextBox 4">
+            <a:extLst>
+              <a:ext uri="{FF2B5EF4-FFF2-40B4-BE49-F238E27FC236}">
+                <a16:creationId xmlns:a16="http://schemas.microsoft.com/office/drawing/2014/main" id="{97FFC1EC-49E5-9C49-B95D-0E8CDBE0095D}"/>
+              </a:ext>
+            </a:extLst>
+          </p:cNvPr>
+          <p:cNvSpPr txBox="1"/>
+          <p:nvPr/>
+        </p:nvSpPr>
+        <p:spPr>
+          <a:xfrm>
+            <a:off x="283778" y="1271752"/>
+            <a:ext cx="2088689" cy="369332"/>
+          </a:xfrm>
+          <a:prstGeom prst="rect">
+            <a:avLst/>
+          </a:prstGeom>
+          <a:noFill/>
+        </p:spPr>
+        <p:txBody>
+          <a:bodyPr wrap="square" rtlCol="0">
+            <a:spAutoFit/>
+          </a:bodyPr>
+          <a:lstStyle/>
+          <a:p>
+            <a:r>
+              <a:rPr lang="en-US" dirty="0"/>
+              <a:t>Basic bayes </a:t>
+            </a:r>
+            <a:r>
+              <a:rPr lang="en-US" dirty="0" err="1"/>
+              <a:t>theorm</a:t>
+            </a:r>
+            <a:endParaRPr lang="en-US" dirty="0"/>
+          </a:p>
+        </p:txBody>
+      </p:sp>
+      <p:sp>
+        <p:nvSpPr>
+          <p:cNvPr id="6" name="TextBox 5">
+            <a:extLst>
+              <a:ext uri="{FF2B5EF4-FFF2-40B4-BE49-F238E27FC236}">
+                <a16:creationId xmlns:a16="http://schemas.microsoft.com/office/drawing/2014/main" id="{16CF60A5-63B9-AA4F-B817-DC677D9CB8E8}"/>
+              </a:ext>
+            </a:extLst>
+          </p:cNvPr>
+          <p:cNvSpPr txBox="1"/>
+          <p:nvPr/>
+        </p:nvSpPr>
+        <p:spPr>
+          <a:xfrm>
+            <a:off x="283777" y="1875518"/>
+            <a:ext cx="2088689" cy="369332"/>
+          </a:xfrm>
+          <a:prstGeom prst="rect">
+            <a:avLst/>
+          </a:prstGeom>
+          <a:noFill/>
+        </p:spPr>
+        <p:txBody>
+          <a:bodyPr wrap="square" rtlCol="0">
+            <a:spAutoFit/>
+          </a:bodyPr>
+          <a:lstStyle/>
+          <a:p>
+            <a:r>
+              <a:rPr lang="en-US" dirty="0" err="1"/>
+              <a:t>Navie</a:t>
+            </a:r>
+            <a:r>
+              <a:rPr lang="en-US" dirty="0"/>
+              <a:t> bayes </a:t>
+            </a:r>
+            <a:r>
+              <a:rPr lang="en-US" dirty="0" err="1"/>
+              <a:t>theorm</a:t>
+            </a:r>
+            <a:endParaRPr lang="en-US" dirty="0"/>
+          </a:p>
+        </p:txBody>
+      </p:sp>
+      <p:graphicFrame>
+        <p:nvGraphicFramePr>
+          <p:cNvPr id="7" name="Object 4">
+            <a:extLst>
+              <a:ext uri="{FF2B5EF4-FFF2-40B4-BE49-F238E27FC236}">
+                <a16:creationId xmlns:a16="http://schemas.microsoft.com/office/drawing/2014/main" id="{A48E01E7-8117-D74E-BD0E-7E82FBAAE519}"/>
+              </a:ext>
+            </a:extLst>
+          </p:cNvPr>
+          <p:cNvGraphicFramePr>
+            <a:graphicFrameLocks/>
+          </p:cNvGraphicFramePr>
+          <p:nvPr>
+            <p:extLst>
+              <p:ext uri="{D42A27DB-BD31-4B8C-83A1-F6EECF244321}">
+                <p14:modId xmlns:p14="http://schemas.microsoft.com/office/powerpoint/2010/main" val="3684905061"/>
+              </p:ext>
+            </p:extLst>
+          </p:nvPr>
+        </p:nvGraphicFramePr>
+        <p:xfrm>
+          <a:off x="2437003" y="2590800"/>
+          <a:ext cx="2913063" cy="838200"/>
+        </p:xfrm>
+        <a:graphic>
+          <a:graphicData uri="http://schemas.openxmlformats.org/presentationml/2006/ole">
+            <mc:AlternateContent xmlns:mc="http://schemas.openxmlformats.org/markup-compatibility/2006">
+              <mc:Choice xmlns:v="urn:schemas-microsoft-com:vml" Requires="v">
+                <p:oleObj spid="_x0000_s11279" name="Equation" r:id="rId7" imgW="1765300" imgH="508000" progId="Equation.3">
+                  <p:embed/>
+                </p:oleObj>
+              </mc:Choice>
+              <mc:Fallback>
+                <p:oleObj name="Equation" r:id="rId7" imgW="1765300" imgH="508000" progId="Equation.3">
+                  <p:embed/>
+                  <p:pic>
+                    <p:nvPicPr>
+                      <p:cNvPr id="103429" name="Object 4"/>
+                      <p:cNvPicPr>
+                        <a:picLocks noChangeArrowheads="1"/>
+                      </p:cNvPicPr>
+                      <p:nvPr/>
+                    </p:nvPicPr>
+                    <p:blipFill>
+                      <a:blip r:embed="rId8">
+                        <a:extLst>
+                          <a:ext uri="{28A0092B-C50C-407E-A947-70E740481C1C}">
+                            <a14:useLocalDpi xmlns:a14="http://schemas.microsoft.com/office/drawing/2010/main" val="0"/>
+                          </a:ext>
+                        </a:extLst>
+                      </a:blip>
+                      <a:srcRect/>
+                      <a:stretch>
+                        <a:fillRect/>
+                      </a:stretch>
+                    </p:blipFill>
+                    <p:spPr bwMode="auto">
+                      <a:xfrm>
+                        <a:off x="2437003" y="2590800"/>
+                        <a:ext cx="2913063" cy="838200"/>
+                      </a:xfrm>
+                      <a:prstGeom prst="rect">
+                        <a:avLst/>
+                      </a:prstGeom>
+                      <a:noFill/>
+                      <a:ln>
+                        <a:noFill/>
+                      </a:ln>
+                      <a:effectLst/>
+                      <a:extLst>
+                        <a:ext uri="{909E8E84-426E-40DD-AFC4-6F175D3DCCD1}">
+                          <a14:hiddenFill xmlns:a14="http://schemas.microsoft.com/office/drawing/2010/main">
+                            <a:solidFill>
+                              <a:schemeClr val="accent1"/>
+                            </a:solidFill>
+                          </a14:hiddenFill>
+                        </a:ext>
+                        <a:ext uri="{91240B29-F687-4F45-9708-019B960494DF}">
+                          <a14:hiddenLine xmlns:a14="http://schemas.microsoft.com/office/drawing/2010/main" w="9525">
+                            <a:solidFill>
+                              <a:schemeClr val="tx1"/>
+                            </a:solidFill>
+                            <a:miter lim="800000"/>
+                            <a:headEnd/>
+                            <a:tailEnd/>
+                          </a14:hiddenLine>
+                        </a:ext>
+                        <a:ext uri="{AF507438-7753-43E0-B8FC-AC1667EBCBE1}">
+                          <a14:hiddenEffects xmlns:a14="http://schemas.microsoft.com/office/drawing/2010/main">
+                            <a:effectLst>
+                              <a:outerShdw dist="35921" dir="2700000" algn="ctr" rotWithShape="0">
+                                <a:schemeClr val="bg2"/>
+                              </a:outerShdw>
+                            </a:effectLst>
+                          </a14:hiddenEffects>
+                        </a:ext>
+                      </a:extLst>
+                    </p:spPr>
+                  </p:pic>
+                </p:oleObj>
+              </mc:Fallback>
+            </mc:AlternateContent>
+          </a:graphicData>
+        </a:graphic>
+      </p:graphicFrame>
+      <p:sp>
+        <p:nvSpPr>
+          <p:cNvPr id="8" name="TextBox 7">
+            <a:extLst>
+              <a:ext uri="{FF2B5EF4-FFF2-40B4-BE49-F238E27FC236}">
+                <a16:creationId xmlns:a16="http://schemas.microsoft.com/office/drawing/2014/main" id="{A3119C3A-0A77-EF4A-9A4A-FDC8E3F1CDC6}"/>
+              </a:ext>
+            </a:extLst>
+          </p:cNvPr>
+          <p:cNvSpPr txBox="1"/>
+          <p:nvPr/>
+        </p:nvSpPr>
+        <p:spPr>
+          <a:xfrm>
+            <a:off x="0" y="2827016"/>
+            <a:ext cx="3494692" cy="369332"/>
+          </a:xfrm>
+          <a:prstGeom prst="rect">
+            <a:avLst/>
+          </a:prstGeom>
+          <a:noFill/>
+        </p:spPr>
+        <p:txBody>
+          <a:bodyPr wrap="square" rtlCol="0">
+            <a:spAutoFit/>
+          </a:bodyPr>
+          <a:lstStyle/>
+          <a:p>
+            <a:r>
+              <a:rPr lang="en-US" dirty="0"/>
+              <a:t>Zero probability (</a:t>
+            </a:r>
+            <a:r>
+              <a:rPr lang="en-US" dirty="0" err="1"/>
+              <a:t>laplace</a:t>
+            </a:r>
+            <a:r>
+              <a:rPr lang="en-US" dirty="0"/>
+              <a:t>)</a:t>
+            </a:r>
+          </a:p>
+        </p:txBody>
+      </p:sp>
+      <p:graphicFrame>
+        <p:nvGraphicFramePr>
+          <p:cNvPr id="9" name="Object 11">
+            <a:extLst>
+              <a:ext uri="{FF2B5EF4-FFF2-40B4-BE49-F238E27FC236}">
+                <a16:creationId xmlns:a16="http://schemas.microsoft.com/office/drawing/2014/main" id="{F1215F9E-EC5C-874A-B0AF-CC3CEDFF4547}"/>
+              </a:ext>
+            </a:extLst>
+          </p:cNvPr>
+          <p:cNvGraphicFramePr>
+            <a:graphicFrameLocks noChangeAspect="1"/>
+          </p:cNvGraphicFramePr>
+          <p:nvPr>
+            <p:extLst>
+              <p:ext uri="{D42A27DB-BD31-4B8C-83A1-F6EECF244321}">
+                <p14:modId xmlns:p14="http://schemas.microsoft.com/office/powerpoint/2010/main" val="851299875"/>
+              </p:ext>
+            </p:extLst>
+          </p:nvPr>
+        </p:nvGraphicFramePr>
+        <p:xfrm>
+          <a:off x="328027" y="3613674"/>
+          <a:ext cx="4241765" cy="1537211"/>
+        </p:xfrm>
+        <a:graphic>
+          <a:graphicData uri="http://schemas.openxmlformats.org/presentationml/2006/ole">
+            <mc:AlternateContent xmlns:mc="http://schemas.openxmlformats.org/markup-compatibility/2006">
+              <mc:Choice xmlns:v="urn:schemas-microsoft-com:vml" Requires="v">
+                <p:oleObj spid="_x0000_s11280" name="Equation" r:id="rId9" imgW="3835080" imgH="1358640" progId="Equation.3">
+                  <p:embed/>
+                </p:oleObj>
+              </mc:Choice>
+              <mc:Fallback>
+                <p:oleObj name="Equation" r:id="rId9" imgW="3835080" imgH="1358640" progId="Equation.3">
+                  <p:embed/>
+                  <p:pic>
+                    <p:nvPicPr>
+                      <p:cNvPr id="7" name="Object 11"/>
+                      <p:cNvPicPr>
+                        <a:picLocks noChangeAspect="1" noChangeArrowheads="1"/>
+                      </p:cNvPicPr>
+                      <p:nvPr/>
+                    </p:nvPicPr>
+                    <p:blipFill>
+                      <a:blip r:embed="rId10"/>
+                      <a:srcRect/>
+                      <a:stretch>
+                        <a:fillRect/>
+                      </a:stretch>
+                    </p:blipFill>
+                    <p:spPr bwMode="auto">
+                      <a:xfrm>
+                        <a:off x="328027" y="3613674"/>
+                        <a:ext cx="4241765" cy="1537211"/>
+                      </a:xfrm>
+                      <a:prstGeom prst="rect">
+                        <a:avLst/>
+                      </a:prstGeom>
+                      <a:solidFill>
+                        <a:srgbClr val="CCFFFF"/>
+                      </a:solidFill>
+                      <a:ln>
+                        <a:noFill/>
+                      </a:ln>
+                      <a:effectLst/>
+                    </p:spPr>
+                  </p:pic>
+                </p:oleObj>
+              </mc:Fallback>
+            </mc:AlternateContent>
+          </a:graphicData>
+        </a:graphic>
+      </p:graphicFrame>
+      <p:sp>
+        <p:nvSpPr>
+          <p:cNvPr id="13" name="TextBox 12">
+            <a:extLst>
+              <a:ext uri="{FF2B5EF4-FFF2-40B4-BE49-F238E27FC236}">
+                <a16:creationId xmlns:a16="http://schemas.microsoft.com/office/drawing/2014/main" id="{205479AE-6B0F-414A-B753-0FE554AE28EE}"/>
+              </a:ext>
+            </a:extLst>
+          </p:cNvPr>
+          <p:cNvSpPr txBox="1"/>
+          <p:nvPr/>
+        </p:nvSpPr>
+        <p:spPr>
+          <a:xfrm>
+            <a:off x="398842" y="6020762"/>
+            <a:ext cx="3494692" cy="369332"/>
+          </a:xfrm>
+          <a:prstGeom prst="rect">
+            <a:avLst/>
+          </a:prstGeom>
+          <a:noFill/>
+        </p:spPr>
+        <p:txBody>
+          <a:bodyPr wrap="square" rtlCol="0">
+            <a:spAutoFit/>
+          </a:bodyPr>
+          <a:lstStyle/>
+          <a:p>
+            <a:r>
+              <a:rPr lang="en-US" dirty="0"/>
+              <a:t>Bernoulli multivariate </a:t>
+            </a:r>
+          </a:p>
+        </p:txBody>
+      </p:sp>
+      <p:pic>
+        <p:nvPicPr>
+          <p:cNvPr id="15" name="Picture 14" descr="Text&#10;&#10;Description automatically generated with medium confidence">
+            <a:extLst>
+              <a:ext uri="{FF2B5EF4-FFF2-40B4-BE49-F238E27FC236}">
+                <a16:creationId xmlns:a16="http://schemas.microsoft.com/office/drawing/2014/main" id="{6475FE44-2095-7E43-BE56-1E8506016488}"/>
+              </a:ext>
+            </a:extLst>
+          </p:cNvPr>
+          <p:cNvPicPr>
+            <a:picLocks noChangeAspect="1"/>
+          </p:cNvPicPr>
+          <p:nvPr/>
+        </p:nvPicPr>
+        <p:blipFill>
+          <a:blip r:embed="rId11">
+            <a:extLst>
+              <a:ext uri="{28A0092B-C50C-407E-A947-70E740481C1C}">
+                <a14:useLocalDpi xmlns:a14="http://schemas.microsoft.com/office/drawing/2010/main" val="0"/>
+              </a:ext>
+            </a:extLst>
+          </a:blip>
+          <a:stretch>
+            <a:fillRect/>
+          </a:stretch>
+        </p:blipFill>
+        <p:spPr>
+          <a:xfrm>
+            <a:off x="2848302" y="5728732"/>
+            <a:ext cx="7983353" cy="1109403"/>
+          </a:xfrm>
+          <a:prstGeom prst="rect">
+            <a:avLst/>
+          </a:prstGeom>
+        </p:spPr>
+      </p:pic>
+      <p:sp>
+        <p:nvSpPr>
+          <p:cNvPr id="16" name="TextBox 15">
+            <a:extLst>
+              <a:ext uri="{FF2B5EF4-FFF2-40B4-BE49-F238E27FC236}">
+                <a16:creationId xmlns:a16="http://schemas.microsoft.com/office/drawing/2014/main" id="{F32CEBD0-060A-B54C-A50A-882C064C3882}"/>
+              </a:ext>
+            </a:extLst>
+          </p:cNvPr>
+          <p:cNvSpPr txBox="1"/>
+          <p:nvPr/>
+        </p:nvSpPr>
+        <p:spPr>
+          <a:xfrm>
+            <a:off x="328027" y="5406217"/>
+            <a:ext cx="4630358" cy="369332"/>
+          </a:xfrm>
+          <a:prstGeom prst="rect">
+            <a:avLst/>
+          </a:prstGeom>
+          <a:noFill/>
+        </p:spPr>
+        <p:txBody>
+          <a:bodyPr wrap="square" rtlCol="0">
+            <a:spAutoFit/>
+          </a:bodyPr>
+          <a:lstStyle/>
+          <a:p>
+            <a:r>
+              <a:rPr lang="en-US" dirty="0"/>
+              <a:t>For Multinomial naïve bayes, see example</a:t>
+            </a:r>
           </a:p>
         </p:txBody>
       </p:sp>
@@ -10340,13 +10929,6 @@
   <p:clrMapOvr>
     <a:masterClrMapping/>
   </p:clrMapOvr>
-  <p:timing>
-    <p:tnLst>
-      <p:par>
-        <p:cTn id="1" dur="indefinite" restart="never" nodeType="tmRoot"/>
-      </p:par>
-    </p:tnLst>
-  </p:timing>
 </p:sld>
 </file>
 
@@ -10393,7 +10975,7 @@
               <a:defRPr/>
             </a:pPr>
             <a:r>
-              <a:rPr lang="en-US" dirty="0" smtClean="0"/>
+              <a:rPr lang="en-US" dirty="0"/>
               <a:t>Avoiding the Zero-Probability Problem</a:t>
             </a:r>
           </a:p>
@@ -10447,12 +11029,8 @@
               <a:t>	</a:t>
             </a:r>
             <a:r>
-              <a:rPr lang="en-US" sz="2400" dirty="0" smtClean="0"/>
-              <a:t>Ex</a:t>
-            </a:r>
-            <a:r>
               <a:rPr lang="en-US" sz="2400" dirty="0"/>
-              <a:t>. Suppose a dataset with 1000 tuples, income=low (0), income= medium (990), and income = high (10)</a:t>
+              <a:t>Ex. Suppose a dataset with 1000 tuples, income=low (0), income= medium (990), and income = high (10)</a:t>
             </a:r>
           </a:p>
           <a:p>
@@ -10495,11 +11073,11 @@
               <a:buNone/>
             </a:pPr>
             <a:r>
-              <a:rPr lang="en-US" dirty="0" err="1" smtClean="0"/>
+              <a:rPr lang="en-US" dirty="0" err="1"/>
               <a:t>Prob</a:t>
             </a:r>
             <a:r>
-              <a:rPr lang="en-US" dirty="0" smtClean="0"/>
+              <a:rPr lang="en-US" dirty="0"/>
               <a:t>(income = low) = 1/1003</a:t>
             </a:r>
           </a:p>
@@ -10509,11 +11087,11 @@
               <a:buNone/>
             </a:pPr>
             <a:r>
-              <a:rPr lang="en-US" dirty="0" err="1" smtClean="0"/>
+              <a:rPr lang="en-US" dirty="0" err="1"/>
               <a:t>Prob</a:t>
             </a:r>
             <a:r>
-              <a:rPr lang="en-US" dirty="0" smtClean="0"/>
+              <a:rPr lang="en-US" dirty="0"/>
               <a:t>(income = medium) = 991/1003</a:t>
             </a:r>
           </a:p>
@@ -10523,11 +11101,11 @@
               <a:buNone/>
             </a:pPr>
             <a:r>
-              <a:rPr lang="en-US" dirty="0" err="1" smtClean="0"/>
+              <a:rPr lang="en-US" dirty="0" err="1"/>
               <a:t>Prob</a:t>
             </a:r>
             <a:r>
-              <a:rPr lang="en-US" dirty="0" smtClean="0"/>
+              <a:rPr lang="en-US" dirty="0"/>
               <a:t>(income = high) = 11/1003</a:t>
             </a:r>
           </a:p>
@@ -10563,7 +11141,7 @@
           <a:graphicData uri="http://schemas.openxmlformats.org/presentationml/2006/ole">
             <mc:AlternateContent xmlns:mc="http://schemas.openxmlformats.org/markup-compatibility/2006">
               <mc:Choice xmlns:v="urn:schemas-microsoft-com:vml" Requires="v">
-                <p:oleObj spid="_x0000_s7203" name="Equation" r:id="rId4" imgW="1765300" imgH="508000" progId="Equation.3">
+                <p:oleObj spid="_x0000_s7210" name="Equation" r:id="rId4" imgW="1765300" imgH="508000" progId="Equation.3">
                   <p:embed/>
                 </p:oleObj>
               </mc:Choice>
@@ -10653,13 +11231,6 @@
   <p:transition>
     <p:zoom/>
   </p:transition>
-  <p:timing>
-    <p:tnLst>
-      <p:par>
-        <p:cTn id="1" dur="indefinite" restart="never" nodeType="tmRoot"/>
-      </p:par>
-    </p:tnLst>
-  </p:timing>
 </p:sld>
 </file>
 
@@ -10806,13 +11377,6 @@
   <p:transition>
     <p:zoom/>
   </p:transition>
-  <p:timing>
-    <p:tnLst>
-      <p:par>
-        <p:cTn id="1" dur="indefinite" restart="never" nodeType="tmRoot"/>
-      </p:par>
-    </p:tnLst>
-  </p:timing>
 </p:sld>
 </file>
 
@@ -10855,7 +11419,7 @@
           <a:p>
             <a:pPr eaLnBrk="1" hangingPunct="1"/>
             <a:r>
-              <a:rPr lang="en-US" smtClean="0"/>
+              <a:rPr lang="en-US"/>
               <a:t>Example	</a:t>
             </a:r>
           </a:p>
@@ -10886,7 +11450,7 @@
                 <a:spcPct val="110000"/>
               </a:lnSpc>
             </a:pPr>
-            <a:endParaRPr lang="en-US" b="1" smtClean="0"/>
+            <a:endParaRPr lang="en-US" b="1"/>
           </a:p>
           <a:p>
             <a:pPr marL="460715" indent="-460715" eaLnBrk="1" hangingPunct="1">
@@ -11054,16 +11618,10 @@
               <a:buChar char="–"/>
             </a:pPr>
             <a:r>
-              <a:rPr lang="en-US" sz="2112" dirty="0" smtClean="0">
-                <a:latin typeface="Tahoma" panose="020B0604030504040204" pitchFamily="34" charset="0"/>
-              </a:rPr>
-              <a:t>Given </a:t>
-            </a:r>
-            <a:r>
               <a:rPr lang="en-US" sz="2112" dirty="0">
                 <a:latin typeface="Tahoma" panose="020B0604030504040204" pitchFamily="34" charset="0"/>
               </a:rPr>
-              <a:t>a new instance, </a:t>
+              <a:t>Given a new instance, </a:t>
             </a:r>
           </a:p>
           <a:p>
@@ -12675,13 +13233,6 @@
     <a:masterClrMapping/>
   </p:clrMapOvr>
   <p:transition/>
-  <p:timing>
-    <p:tnLst>
-      <p:par>
-        <p:cTn id="1" dur="indefinite" restart="never" nodeType="tmRoot"/>
-      </p:par>
-    </p:tnLst>
-  </p:timing>
 </p:sld>
 </file>
 
@@ -12759,7 +13310,7 @@
               <a:buChar char="•"/>
             </a:pPr>
             <a:r>
-              <a:rPr lang="en-US" sz="2700" dirty="0" smtClean="0">
+              <a:rPr lang="en-US" sz="2700" dirty="0">
                 <a:latin typeface="Tahoma" panose="020B0604030504040204" pitchFamily="34" charset="0"/>
               </a:rPr>
               <a:t>Zero conditional probability Problem</a:t>
@@ -12777,7 +13328,7 @@
               <a:buChar char="–"/>
             </a:pPr>
             <a:r>
-              <a:rPr lang="en-US" sz="2300" dirty="0" smtClean="0">
+              <a:rPr lang="en-US" sz="2300" dirty="0">
                 <a:latin typeface="Tahoma" panose="020B0604030504040204" pitchFamily="34" charset="0"/>
               </a:rPr>
               <a:t>If no example contains the attribute value</a:t>
@@ -12795,7 +13346,7 @@
               <a:buChar char="–"/>
             </a:pPr>
             <a:r>
-              <a:rPr lang="en-US" sz="2300" dirty="0" smtClean="0">
+              <a:rPr lang="en-US" sz="2300" dirty="0">
                 <a:latin typeface="Tahoma" panose="020B0604030504040204" pitchFamily="34" charset="0"/>
               </a:rPr>
               <a:t>In this circumstance,                                        during test </a:t>
@@ -12813,19 +13364,19 @@
               <a:buChar char="–"/>
             </a:pPr>
             <a:r>
-              <a:rPr lang="en-US" sz="2300" dirty="0" smtClean="0">
+              <a:rPr lang="en-US" sz="2300" dirty="0">
                 <a:latin typeface="Tahoma" panose="020B0604030504040204" pitchFamily="34" charset="0"/>
               </a:rPr>
               <a:t>For a remedy, conditional probabilities estimated with (</a:t>
             </a:r>
             <a:r>
-              <a:rPr lang="en-US" sz="2300" b="1" dirty="0" smtClean="0">
+              <a:rPr lang="en-US" sz="2300" b="1" dirty="0">
                 <a:latin typeface="Tahoma" panose="020B0604030504040204" pitchFamily="34" charset="0"/>
               </a:rPr>
               <a:t>m-estimates</a:t>
             </a:r>
             <a:r>
-              <a:rPr lang="en-US" sz="2300" dirty="0" smtClean="0">
+              <a:rPr lang="en-US" sz="2300" dirty="0">
                 <a:latin typeface="Tahoma" panose="020B0604030504040204" pitchFamily="34" charset="0"/>
               </a:rPr>
               <a:t>)</a:t>
@@ -12843,19 +13394,19 @@
               <a:buChar char="–"/>
             </a:pPr>
             <a:r>
-              <a:rPr lang="en-US" sz="2300" dirty="0" smtClean="0">
+              <a:rPr lang="en-US" sz="2300" dirty="0">
                 <a:latin typeface="Tahoma" panose="020B0604030504040204" pitchFamily="34" charset="0"/>
               </a:rPr>
               <a:t>It also avoids </a:t>
             </a:r>
             <a:r>
-              <a:rPr lang="en-US" sz="2300" b="1" dirty="0" err="1" smtClean="0">
+              <a:rPr lang="en-US" sz="2300" b="1" dirty="0" err="1">
                 <a:latin typeface="Tahoma" panose="020B0604030504040204" pitchFamily="34" charset="0"/>
               </a:rPr>
               <a:t>overfitting</a:t>
             </a:r>
             <a:r>
-              <a:rPr lang="en-US" sz="2300" dirty="0" smtClean="0">
+              <a:rPr lang="en-US" sz="2300" dirty="0">
                 <a:latin typeface="Tahoma" panose="020B0604030504040204" pitchFamily="34" charset="0"/>
               </a:rPr>
               <a:t> </a:t>
@@ -12888,7 +13439,7 @@
           <a:graphicData uri="http://schemas.openxmlformats.org/presentationml/2006/ole">
             <mc:AlternateContent xmlns:mc="http://schemas.openxmlformats.org/markup-compatibility/2006">
               <mc:Choice xmlns:v="urn:schemas-microsoft-com:vml" Requires="v">
-                <p:oleObj spid="_x0000_s8293" name="Equation" r:id="rId3" imgW="1562100" imgH="241300" progId="Equation.3">
+                <p:oleObj spid="_x0000_s8314" name="Equation" r:id="rId3" imgW="1562100" imgH="241300" progId="Equation.3">
                   <p:embed/>
                 </p:oleObj>
               </mc:Choice>
@@ -12987,7 +13538,7 @@
           <a:graphicData uri="http://schemas.openxmlformats.org/presentationml/2006/ole">
             <mc:AlternateContent xmlns:mc="http://schemas.openxmlformats.org/markup-compatibility/2006">
               <mc:Choice xmlns:v="urn:schemas-microsoft-com:vml" Requires="v">
-                <p:oleObj spid="_x0000_s8294" name="Equation" r:id="rId5" imgW="1803400" imgH="241300" progId="Equation.3">
+                <p:oleObj spid="_x0000_s8315" name="Equation" r:id="rId5" imgW="1803400" imgH="241300" progId="Equation.3">
                   <p:embed/>
                 </p:oleObj>
               </mc:Choice>
@@ -13086,7 +13637,7 @@
           <a:graphicData uri="http://schemas.openxmlformats.org/presentationml/2006/ole">
             <mc:AlternateContent xmlns:mc="http://schemas.openxmlformats.org/markup-compatibility/2006">
               <mc:Choice xmlns:v="urn:schemas-microsoft-com:vml" Requires="v">
-                <p:oleObj spid="_x0000_s8295" name="Equation" r:id="rId7" imgW="3835080" imgH="1358640" progId="Equation.3">
+                <p:oleObj spid="_x0000_s8316" name="Equation" r:id="rId7" imgW="3835080" imgH="1358640" progId="Equation.3">
                   <p:embed/>
                 </p:oleObj>
               </mc:Choice>
@@ -13144,13 +13695,6 @@
   <p:transition>
     <p:zoom/>
   </p:transition>
-  <p:timing>
-    <p:tnLst>
-      <p:par>
-        <p:cTn id="1" dur="indefinite" restart="never" nodeType="tmRoot"/>
-      </p:par>
-    </p:tnLst>
-  </p:timing>
 </p:sld>
 </file>
 
@@ -13282,13 +13826,6 @@
   <p:transition>
     <p:zoom/>
   </p:transition>
-  <p:timing>
-    <p:tnLst>
-      <p:par>
-        <p:cTn id="1" dur="indefinite" restart="never" nodeType="tmRoot"/>
-      </p:par>
-    </p:tnLst>
-  </p:timing>
 </p:sld>
 </file>
 
@@ -13386,13 +13923,6 @@
   <p:transition>
     <p:zoom/>
   </p:transition>
-  <p:timing>
-    <p:tnLst>
-      <p:par>
-        <p:cTn id="1" dur="indefinite" restart="never" nodeType="tmRoot"/>
-      </p:par>
-    </p:tnLst>
-  </p:timing>
 </p:sld>
 </file>
 
@@ -13430,7 +13960,7 @@
           </a:bodyPr>
           <a:lstStyle/>
           <a:p>
-            <a:endParaRPr lang="en-IN"/>
+            <a:endParaRPr lang="en-IN" dirty="0"/>
           </a:p>
         </p:txBody>
       </p:sp>
@@ -13519,13 +14049,6 @@
   <p:transition>
     <p:zoom/>
   </p:transition>
-  <p:timing>
-    <p:tnLst>
-      <p:par>
-        <p:cTn id="1" dur="indefinite" restart="never" nodeType="tmRoot"/>
-      </p:par>
-    </p:tnLst>
-  </p:timing>
 </p:sld>
 </file>
 
@@ -13571,7 +14094,7 @@
                 <a:spcPct val="110000"/>
               </a:lnSpc>
             </a:pPr>
-            <a:endParaRPr lang="en-US" b="1" smtClean="0"/>
+            <a:endParaRPr lang="en-US" b="1"/>
           </a:p>
           <a:p>
             <a:pPr marL="460715" indent="-460715" eaLnBrk="1" hangingPunct="1">
@@ -14101,7 +14624,7 @@
           <a:graphicData uri="http://schemas.openxmlformats.org/presentationml/2006/ole">
             <mc:AlternateContent xmlns:mc="http://schemas.openxmlformats.org/markup-compatibility/2006">
               <mc:Choice xmlns:v="urn:schemas-microsoft-com:vml" Requires="v">
-                <p:oleObj spid="_x0000_s10406" name="Equation" r:id="rId3" imgW="3924300" imgH="838200" progId="Equation.3">
+                <p:oleObj spid="_x0000_s10441" name="Equation" r:id="rId3" imgW="3924300" imgH="838200" progId="Equation.3">
                   <p:embed/>
                 </p:oleObj>
               </mc:Choice>
@@ -14168,7 +14691,7 @@
           <a:graphicData uri="http://schemas.openxmlformats.org/presentationml/2006/ole">
             <mc:AlternateContent xmlns:mc="http://schemas.openxmlformats.org/markup-compatibility/2006">
               <mc:Choice xmlns:v="urn:schemas-microsoft-com:vml" Requires="v">
-                <p:oleObj spid="_x0000_s10407" name="Equation" r:id="rId5" imgW="1612200" imgH="177723" progId="Equation.3">
+                <p:oleObj spid="_x0000_s10442" name="Equation" r:id="rId5" imgW="1612200" imgH="177723" progId="Equation.3">
                   <p:embed/>
                 </p:oleObj>
               </mc:Choice>
@@ -14261,7 +14784,7 @@
           <a:graphicData uri="http://schemas.openxmlformats.org/presentationml/2006/ole">
             <mc:AlternateContent xmlns:mc="http://schemas.openxmlformats.org/markup-compatibility/2006">
               <mc:Choice xmlns:v="urn:schemas-microsoft-com:vml" Requires="v">
-                <p:oleObj spid="_x0000_s10408" name="Equation" r:id="rId7" imgW="279279" imgH="152334" progId="Equation.3">
+                <p:oleObj spid="_x0000_s10443" name="Equation" r:id="rId7" imgW="279279" imgH="152334" progId="Equation.3">
                   <p:embed/>
                 </p:oleObj>
               </mc:Choice>
@@ -14354,7 +14877,7 @@
           <a:graphicData uri="http://schemas.openxmlformats.org/presentationml/2006/ole">
             <mc:AlternateContent xmlns:mc="http://schemas.openxmlformats.org/markup-compatibility/2006">
               <mc:Choice xmlns:v="urn:schemas-microsoft-com:vml" Requires="v">
-                <p:oleObj spid="_x0000_s10409" name="Equation" r:id="rId9" imgW="1015559" imgH="177723" progId="Equation.3">
+                <p:oleObj spid="_x0000_s10444" name="Equation" r:id="rId9" imgW="1015559" imgH="177723" progId="Equation.3">
                   <p:embed/>
                 </p:oleObj>
               </mc:Choice>
@@ -14447,7 +14970,7 @@
           <a:graphicData uri="http://schemas.openxmlformats.org/presentationml/2006/ole">
             <mc:AlternateContent xmlns:mc="http://schemas.openxmlformats.org/markup-compatibility/2006">
               <mc:Choice xmlns:v="urn:schemas-microsoft-com:vml" Requires="v">
-                <p:oleObj spid="_x0000_s10410" name="Equation" r:id="rId11" imgW="1002865" imgH="177723" progId="Equation.3">
+                <p:oleObj spid="_x0000_s10445" name="Equation" r:id="rId11" imgW="1002865" imgH="177723" progId="Equation.3">
                   <p:embed/>
                 </p:oleObj>
               </mc:Choice>
@@ -14545,10 +15068,9 @@
           <a:lstStyle/>
           <a:p>
             <a:r>
-              <a:rPr lang="en-IN" dirty="0" smtClean="0"/>
+              <a:rPr lang="en-IN" dirty="0"/>
               <a:t>Gaussian Distribution</a:t>
             </a:r>
-            <a:endParaRPr lang="en-IN" dirty="0"/>
           </a:p>
         </p:txBody>
       </p:sp>
@@ -14563,13 +15085,6 @@
     <a:masterClrMapping/>
   </p:clrMapOvr>
   <p:transition/>
-  <p:timing>
-    <p:tnLst>
-      <p:par>
-        <p:cTn id="1" dur="indefinite" restart="never" nodeType="tmRoot"/>
-      </p:par>
-    </p:tnLst>
-  </p:timing>
 </p:sld>
 </file>
 
@@ -15867,13 +16382,6 @@
   <p:clrMapOvr>
     <a:masterClrMapping/>
   </p:clrMapOvr>
-  <p:timing>
-    <p:tnLst>
-      <p:par>
-        <p:cTn id="1" dur="indefinite" restart="never" nodeType="tmRoot"/>
-      </p:par>
-    </p:tnLst>
-  </p:timing>
 </p:sld>
 </file>
 
@@ -15917,10 +16425,9 @@
           <a:lstStyle/>
           <a:p>
             <a:r>
-              <a:rPr lang="en-IN" sz="2400" dirty="0" smtClean="0"/>
+              <a:rPr lang="en-IN" sz="2400" dirty="0"/>
               <a:t>Instance to be classified</a:t>
             </a:r>
-            <a:endParaRPr lang="en-IN" sz="2400" dirty="0"/>
           </a:p>
         </p:txBody>
       </p:sp>
@@ -16948,13 +17455,6 @@
   <p:clrMapOvr>
     <a:masterClrMapping/>
   </p:clrMapOvr>
-  <p:timing>
-    <p:tnLst>
-      <p:par>
-        <p:cTn id="1" dur="indefinite" restart="never" nodeType="tmRoot"/>
-      </p:par>
-    </p:tnLst>
-  </p:timing>
 </p:sld>
 </file>
 
@@ -17001,7 +17501,7 @@
               <a:defRPr/>
             </a:pPr>
             <a:r>
-              <a:rPr lang="en-US" smtClean="0"/>
+              <a:rPr lang="en-US"/>
               <a:t>Bayesian Classification: Why?</a:t>
             </a:r>
             <a:endParaRPr lang="en-US" sz="2400"/>
@@ -17039,19 +17539,19 @@
               </a:lnSpc>
             </a:pPr>
             <a:r>
-              <a:rPr lang="en-US" u="sng" dirty="0" smtClean="0"/>
+              <a:rPr lang="en-US" u="sng" dirty="0"/>
               <a:t>A statistical classifier</a:t>
             </a:r>
             <a:r>
-              <a:rPr lang="en-US" dirty="0" smtClean="0"/>
+              <a:rPr lang="en-US" dirty="0"/>
               <a:t>: performs </a:t>
             </a:r>
             <a:r>
-              <a:rPr lang="en-US" i="1" dirty="0" smtClean="0"/>
+              <a:rPr lang="en-US" i="1" dirty="0"/>
               <a:t>probabilistic prediction, i.e.,</a:t>
             </a:r>
             <a:r>
-              <a:rPr lang="en-US" dirty="0" smtClean="0"/>
+              <a:rPr lang="en-US" dirty="0"/>
               <a:t> predicts class membership probabilities</a:t>
             </a:r>
           </a:p>
@@ -17062,11 +17562,11 @@
               </a:lnSpc>
             </a:pPr>
             <a:r>
-              <a:rPr lang="en-US" u="sng" dirty="0" smtClean="0"/>
+              <a:rPr lang="en-US" u="sng" dirty="0"/>
               <a:t>Foundation:</a:t>
             </a:r>
             <a:r>
-              <a:rPr lang="en-US" dirty="0" smtClean="0"/>
+              <a:rPr lang="en-US" dirty="0"/>
               <a:t> Based on Bayes’ Theorem. </a:t>
             </a:r>
           </a:p>
@@ -17077,19 +17577,19 @@
               </a:lnSpc>
             </a:pPr>
             <a:r>
-              <a:rPr lang="en-US" u="sng" dirty="0" smtClean="0"/>
+              <a:rPr lang="en-US" u="sng" dirty="0"/>
               <a:t>Performance:</a:t>
             </a:r>
             <a:r>
-              <a:rPr lang="en-US" dirty="0" smtClean="0"/>
+              <a:rPr lang="en-US" dirty="0"/>
               <a:t> A simple Bayesian classifier, </a:t>
             </a:r>
             <a:r>
-              <a:rPr lang="en-US" i="1" dirty="0" smtClean="0"/>
+              <a:rPr lang="en-US" i="1" dirty="0"/>
               <a:t>naïve Bayesian classifier</a:t>
             </a:r>
             <a:r>
-              <a:rPr lang="en-US" dirty="0" smtClean="0"/>
+              <a:rPr lang="en-US" dirty="0"/>
               <a:t>, has comparable performance with decision tree and selected neural network classifiers</a:t>
             </a:r>
           </a:p>
@@ -17100,11 +17600,11 @@
               </a:lnSpc>
             </a:pPr>
             <a:r>
-              <a:rPr lang="en-US" u="sng" dirty="0" smtClean="0"/>
+              <a:rPr lang="en-US" u="sng" dirty="0"/>
               <a:t>Incremental</a:t>
             </a:r>
             <a:r>
-              <a:rPr lang="en-US" dirty="0" smtClean="0"/>
+              <a:rPr lang="en-US" dirty="0"/>
               <a:t>: Each training example can incrementally increase/decrease the probability that a hypothesis is correct — prior knowledge can be combined with observed data</a:t>
             </a:r>
           </a:p>
@@ -17115,11 +17615,11 @@
               </a:lnSpc>
             </a:pPr>
             <a:r>
-              <a:rPr lang="en-US" u="sng" dirty="0" smtClean="0"/>
+              <a:rPr lang="en-US" u="sng" dirty="0"/>
               <a:t>Standard</a:t>
             </a:r>
             <a:r>
-              <a:rPr lang="en-US" dirty="0" smtClean="0"/>
+              <a:rPr lang="en-US" dirty="0"/>
               <a:t>: Even when Bayesian methods are computationally intractable, they can provide a standard of optimal decision making against which other methods can be measured</a:t>
             </a:r>
           </a:p>
@@ -17136,13 +17636,6 @@
     <a:masterClrMapping/>
   </p:clrMapOvr>
   <p:transition spd="slow"/>
-  <p:timing>
-    <p:tnLst>
-      <p:par>
-        <p:cTn id="1" dur="indefinite" restart="never" nodeType="tmRoot"/>
-      </p:par>
-    </p:tnLst>
-  </p:timing>
 </p:sld>
 </file>
 
@@ -18292,7 +18785,7 @@
               <a:tabLst/>
             </a:pPr>
             <a:r>
-              <a:rPr kumimoji="0" lang="en-US" altLang="en-US" sz="1000" b="0" i="0" u="none" strike="noStrike" cap="none" normalizeH="0" baseline="0" smtClean="0">
+              <a:rPr kumimoji="0" lang="en-US" altLang="en-US" sz="1000" b="0" i="0" u="none" strike="noStrike" cap="none" normalizeH="0" baseline="0">
                 <a:ln>
                   <a:noFill/>
                 </a:ln>
@@ -18306,7 +18799,7 @@
               </a:rPr>
               <a:t>,</a:t>
             </a:r>
-            <a:endParaRPr kumimoji="0" lang="en-US" altLang="en-US" sz="1800" b="0" i="0" u="none" strike="noStrike" cap="none" normalizeH="0" baseline="0" smtClean="0">
+            <a:endParaRPr kumimoji="0" lang="en-US" altLang="en-US" sz="1800" b="0" i="0" u="none" strike="noStrike" cap="none" normalizeH="0" baseline="0">
               <a:ln>
                 <a:noFill/>
               </a:ln>
@@ -18329,13 +18822,6 @@
   <p:clrMapOvr>
     <a:masterClrMapping/>
   </p:clrMapOvr>
-  <p:timing>
-    <p:tnLst>
-      <p:par>
-        <p:cTn id="1" dur="indefinite" restart="never" nodeType="tmRoot"/>
-      </p:par>
-    </p:tnLst>
-  </p:timing>
 </p:sld>
 </file>
 
@@ -18377,10 +18863,9 @@
           <a:lstStyle/>
           <a:p>
             <a:r>
-              <a:rPr lang="en-IN" dirty="0" smtClean="0"/>
+              <a:rPr lang="en-IN" dirty="0"/>
               <a:t>Text Classification</a:t>
             </a:r>
-            <a:endParaRPr lang="en-IN" dirty="0"/>
           </a:p>
         </p:txBody>
       </p:sp>
@@ -18407,11 +18892,7 @@
             <a:pPr algn="just"/>
             <a:r>
               <a:rPr lang="en-IN" b="1" dirty="0"/>
-              <a:t>The Bag of Words </a:t>
-            </a:r>
-            <a:r>
-              <a:rPr lang="en-IN" b="1" dirty="0" smtClean="0"/>
-              <a:t>Model</a:t>
+              <a:t>The Bag of Words Model</a:t>
             </a:r>
           </a:p>
           <a:p>
@@ -18440,22 +18921,18 @@
           <a:p>
             <a:pPr algn="just"/>
             <a:r>
-              <a:rPr lang="en-IN" i="1" dirty="0" smtClean="0"/>
+              <a:rPr lang="en-IN" i="1" dirty="0"/>
               <a:t>- Salient</a:t>
             </a:r>
             <a:r>
               <a:rPr lang="en-IN" dirty="0"/>
-              <a:t>. The features are important and meaningful with respect to the problem </a:t>
-            </a:r>
-            <a:r>
-              <a:rPr lang="en-IN" dirty="0" smtClean="0"/>
-              <a:t>domain.</a:t>
+              <a:t>. The features are important and meaningful with respect to the problem domain.</a:t>
             </a:r>
           </a:p>
           <a:p>
             <a:pPr algn="just"/>
             <a:r>
-              <a:rPr lang="en-IN" i="1" dirty="0" smtClean="0"/>
+              <a:rPr lang="en-IN" i="1" dirty="0"/>
               <a:t>- Invariant</a:t>
             </a:r>
             <a:r>
@@ -18492,31 +18969,19 @@
           <a:p>
             <a:pPr algn="just"/>
             <a:r>
-              <a:rPr lang="en-IN" i="1" dirty="0" smtClean="0"/>
-              <a:t>- Discriminatory</a:t>
-            </a:r>
-            <a:r>
               <a:rPr lang="en-IN" i="1" dirty="0"/>
-              <a:t>.</a:t>
+              <a:t>- Discriminatory.</a:t>
             </a:r>
             <a:r>
               <a:rPr lang="en-IN" dirty="0"/>
-              <a:t> The selected features bear enough information to distinguish well between patterns when used to train the classifier</a:t>
-            </a:r>
-            <a:r>
-              <a:rPr lang="en-IN" dirty="0" smtClean="0"/>
-              <a:t>.</a:t>
+              <a:t> The selected features bear enough information to distinguish well between patterns when used to train the classifier.</a:t>
             </a:r>
           </a:p>
           <a:p>
             <a:pPr algn="just"/>
             <a:r>
-              <a:rPr lang="en-IN" dirty="0" smtClean="0"/>
-              <a:t>- Prior </a:t>
-            </a:r>
-            <a:r>
               <a:rPr lang="en-IN" dirty="0"/>
-              <a:t>to fitting the model and using machine learning algorithms for training, we need to think about how to best represent a text document as a feature vector. A commonly used model in </a:t>
+              <a:t>- Prior to fitting the model and using machine learning algorithms for training, we need to think about how to best represent a text document as a feature vector. A commonly used model in </a:t>
             </a:r>
             <a:r>
               <a:rPr lang="en-IN" i="1" dirty="0"/>
@@ -18551,13 +19016,6 @@
   <p:clrMapOvr>
     <a:masterClrMapping/>
   </p:clrMapOvr>
-  <p:timing>
-    <p:tnLst>
-      <p:par>
-        <p:cTn id="1" dur="indefinite" restart="never" nodeType="tmRoot"/>
-      </p:par>
-    </p:tnLst>
-  </p:timing>
 </p:sld>
 </file>
 
@@ -18797,7 +19255,7 @@
               <a:tabLst/>
             </a:pPr>
             <a:r>
-              <a:rPr kumimoji="0" lang="en-US" sz="2400" b="0" i="0" u="none" strike="noStrike" cap="none" normalizeH="0" baseline="0" dirty="0" smtClean="0">
+              <a:rPr kumimoji="0" lang="en-US" sz="2400" b="0" i="0" u="none" strike="noStrike" cap="none" normalizeH="0" baseline="0" dirty="0">
                 <a:ln>
                   <a:noFill/>
                 </a:ln>
@@ -18810,7 +19268,7 @@
               <a:t>First comes the creation of the </a:t>
             </a:r>
             <a:r>
-              <a:rPr kumimoji="0" lang="en-US" sz="2400" b="0" i="1" u="none" strike="noStrike" cap="none" normalizeH="0" baseline="0" dirty="0" smtClean="0">
+              <a:rPr kumimoji="0" lang="en-US" sz="2400" b="0" i="1" u="none" strike="noStrike" cap="none" normalizeH="0" baseline="0" dirty="0">
                 <a:ln>
                   <a:noFill/>
                 </a:ln>
@@ -18823,7 +19281,7 @@
               <a:t>vocabulary</a:t>
             </a:r>
             <a:r>
-              <a:rPr kumimoji="0" lang="en-US" sz="2400" b="0" i="0" u="none" strike="noStrike" cap="none" normalizeH="0" baseline="0" dirty="0" smtClean="0">
+              <a:rPr kumimoji="0" lang="en-US" sz="2400" b="0" i="0" u="none" strike="noStrike" cap="none" normalizeH="0" baseline="0" dirty="0">
                 <a:ln>
                   <a:noFill/>
                 </a:ln>
@@ -18854,7 +19312,7 @@
               <a:tabLst/>
             </a:pPr>
             <a:r>
-              <a:rPr kumimoji="0" lang="en-US" sz="2400" b="0" i="0" u="none" strike="noStrike" cap="none" normalizeH="0" baseline="0" dirty="0" smtClean="0">
+              <a:rPr kumimoji="0" lang="en-US" sz="2400" b="0" i="0" u="none" strike="noStrike" cap="none" normalizeH="0" baseline="0" dirty="0">
                 <a:ln>
                   <a:noFill/>
                 </a:ln>
@@ -18867,7 +19325,7 @@
               <a:t>the collection of all different words that occur in the training set and each word is associated with a count of how it occurs. This vocabulary can be understood as a set of non-redundant items where the order doesn’t matter. Let </a:t>
             </a:r>
             <a:r>
-              <a:rPr kumimoji="0" lang="en-US" sz="2400" b="0" i="0" u="none" strike="noStrike" cap="none" normalizeH="0" baseline="0" dirty="0" smtClean="0">
+              <a:rPr kumimoji="0" lang="en-US" sz="2400" b="0" i="0" u="none" strike="noStrike" cap="none" normalizeH="0" baseline="0" dirty="0">
                 <a:ln>
                   <a:noFill/>
                 </a:ln>
@@ -18889,7 +19347,7 @@
               <a:t>1</a:t>
             </a:r>
             <a:r>
-              <a:rPr kumimoji="0" lang="en-US" sz="2400" b="0" i="0" u="none" strike="noStrike" cap="none" normalizeH="0" baseline="0" dirty="0" smtClean="0">
+              <a:rPr kumimoji="0" lang="en-US" sz="2400" b="0" i="0" u="none" strike="noStrike" cap="none" normalizeH="0" baseline="0" dirty="0">
                 <a:ln>
                   <a:noFill/>
                 </a:ln>
@@ -18902,7 +19360,7 @@
               <a:t> and </a:t>
             </a:r>
             <a:r>
-              <a:rPr kumimoji="0" lang="en-US" sz="2400" b="0" i="0" u="none" strike="noStrike" cap="none" normalizeH="0" baseline="0" dirty="0" smtClean="0">
+              <a:rPr kumimoji="0" lang="en-US" sz="2400" b="0" i="0" u="none" strike="noStrike" cap="none" normalizeH="0" baseline="0" dirty="0">
                 <a:ln>
                   <a:noFill/>
                 </a:ln>
@@ -18915,7 +19373,7 @@
               <a:t>D2</a:t>
             </a:r>
             <a:r>
-              <a:rPr kumimoji="0" lang="en-US" sz="2400" b="0" i="0" u="none" strike="noStrike" cap="none" normalizeH="0" baseline="0" dirty="0" smtClean="0">
+              <a:rPr kumimoji="0" lang="en-US" sz="2400" b="0" i="0" u="none" strike="noStrike" cap="none" normalizeH="0" baseline="0" dirty="0">
                 <a:ln>
                   <a:noFill/>
                 </a:ln>
@@ -18928,7 +19386,7 @@
               <a:t> be two documents in a training dataset:</a:t>
             </a:r>
             <a:r>
-              <a:rPr kumimoji="0" lang="en-US" sz="2400" b="0" i="0" u="none" strike="noStrike" cap="none" normalizeH="0" baseline="0" dirty="0" smtClean="0">
+              <a:rPr kumimoji="0" lang="en-US" sz="2400" b="0" i="0" u="none" strike="noStrike" cap="none" normalizeH="0" baseline="0" dirty="0">
                 <a:ln>
                   <a:noFill/>
                 </a:ln>
@@ -18970,22 +19428,13 @@
               <a:buChar char="•"/>
             </a:pPr>
             <a:r>
-              <a:rPr lang="en-US" sz="2400" dirty="0" smtClean="0">
+              <a:rPr lang="en-US" sz="2400" dirty="0">
                 <a:solidFill>
                   <a:srgbClr val="111111"/>
                 </a:solidFill>
                 <a:latin typeface="Helvetica" pitchFamily="34" charset="0"/>
               </a:rPr>
-              <a:t>D1</a:t>
-            </a:r>
-            <a:r>
-              <a:rPr lang="en-US" sz="2400" dirty="0">
-                <a:solidFill>
-                  <a:srgbClr val="111111"/>
-                </a:solidFill>
-                <a:latin typeface="Helvetica" pitchFamily="34" charset="0"/>
-              </a:rPr>
-              <a:t>: “Each state has its own laws.”</a:t>
+              <a:t>D1: “Each state has its own laws.”</a:t>
             </a:r>
           </a:p>
           <a:p>
@@ -18999,31 +19448,13 @@
               <a:buChar char="•"/>
             </a:pPr>
             <a:r>
-              <a:rPr lang="en-US" sz="2400" dirty="0" smtClean="0">
+              <a:rPr lang="en-US" sz="2400" dirty="0">
                 <a:solidFill>
                   <a:srgbClr val="111111"/>
                 </a:solidFill>
                 <a:latin typeface="Helvetica" pitchFamily="34" charset="0"/>
               </a:rPr>
-              <a:t>D2</a:t>
-            </a:r>
-            <a:r>
-              <a:rPr lang="en-US" sz="2400" dirty="0">
-                <a:solidFill>
-                  <a:srgbClr val="111111"/>
-                </a:solidFill>
-                <a:latin typeface="Helvetica" pitchFamily="34" charset="0"/>
-              </a:rPr>
-              <a:t>: “Every country has its own culture</a:t>
-            </a:r>
-            <a:r>
-              <a:rPr lang="en-US" sz="2400" dirty="0" smtClean="0">
-                <a:solidFill>
-                  <a:srgbClr val="111111"/>
-                </a:solidFill>
-                <a:latin typeface="Helvetica" pitchFamily="34" charset="0"/>
-              </a:rPr>
-              <a:t>.”</a:t>
+              <a:t>D2: “Every country has its own culture.”</a:t>
             </a:r>
           </a:p>
           <a:p>
@@ -19058,11 +19489,7 @@
             </a:pPr>
             <a:r>
               <a:rPr lang="en-IN" sz="2400" dirty="0"/>
-              <a:t>Based on these two documents, the vocabulary could be written </a:t>
-            </a:r>
-            <a:r>
-              <a:rPr lang="en-IN" sz="2400" dirty="0" smtClean="0"/>
-              <a:t>as</a:t>
+              <a:t>Based on these two documents, the vocabulary could be written as</a:t>
             </a:r>
           </a:p>
           <a:p>
@@ -19075,16 +19502,8 @@
               <a:buNone/>
             </a:pPr>
             <a:r>
-              <a:rPr lang="en-IN" sz="2400" dirty="0" smtClean="0"/>
-              <a:t>V</a:t>
-            </a:r>
-            <a:r>
               <a:rPr lang="en-IN" sz="2400" dirty="0"/>
-              <a:t>={each:1,state:1,has:2,its:2,own:2,laws:1,every:1,country:1,culture:1</a:t>
-            </a:r>
-            <a:r>
-              <a:rPr lang="en-IN" sz="2400" dirty="0" smtClean="0"/>
-              <a:t>}</a:t>
+              <a:t>V={each:1,state:1,has:2,its:2,own:2,laws:1,every:1,country:1,culture:1}</a:t>
             </a:r>
           </a:p>
           <a:p>
@@ -19125,7 +19544,7 @@
               <a:t>The vocabulary can then be used to construct the </a:t>
             </a:r>
             <a:r>
-              <a:rPr lang="en-US" sz="2800" dirty="0" smtClean="0">
+              <a:rPr lang="en-US" sz="2800" dirty="0">
                 <a:solidFill>
                   <a:srgbClr val="111111"/>
                 </a:solidFill>
@@ -19134,40 +19553,13 @@
               <a:t>d</a:t>
             </a:r>
             <a:r>
-              <a:rPr lang="en-US" sz="2400" dirty="0" smtClean="0">
+              <a:rPr lang="en-US" sz="2400" dirty="0">
                 <a:solidFill>
                   <a:srgbClr val="111111"/>
                 </a:solidFill>
                 <a:latin typeface="Helvetica" pitchFamily="34" charset="0"/>
               </a:rPr>
-              <a:t>-dimensional </a:t>
-            </a:r>
-            <a:r>
-              <a:rPr lang="en-US" sz="2400" dirty="0">
-                <a:solidFill>
-                  <a:srgbClr val="111111"/>
-                </a:solidFill>
-                <a:latin typeface="Helvetica" pitchFamily="34" charset="0"/>
-              </a:rPr>
-              <a:t>feature vectors for the individual documents where the dimensionality is equal to the number of different words in the vocabulary </a:t>
-            </a:r>
-            <a:r>
-              <a:rPr lang="en-US" sz="2400" dirty="0" smtClean="0">
-                <a:solidFill>
-                  <a:srgbClr val="111111"/>
-                </a:solidFill>
-                <a:latin typeface="Helvetica" pitchFamily="34" charset="0"/>
-              </a:rPr>
-              <a:t>(d</a:t>
-            </a:r>
-            <a:r>
-              <a:rPr lang="en-US" sz="2400" dirty="0">
-                <a:solidFill>
-                  <a:srgbClr val="111111"/>
-                </a:solidFill>
-                <a:latin typeface="Helvetica" pitchFamily="34" charset="0"/>
-              </a:rPr>
-              <a:t>=|V|). This process is called </a:t>
+              <a:t>-dimensional feature vectors for the individual documents where the dimensionality is equal to the number of different words in the vocabulary (d=|V|). This process is called </a:t>
             </a:r>
             <a:r>
               <a:rPr lang="en-US" sz="2400" i="1" dirty="0" err="1">
@@ -19392,7 +19784,7 @@
               <a:buNone/>
               <a:tabLst/>
             </a:pPr>
-            <a:endParaRPr kumimoji="0" lang="en-US" sz="1800" b="0" i="0" u="none" strike="noStrike" cap="none" normalizeH="0" baseline="0" dirty="0" smtClean="0">
+            <a:endParaRPr kumimoji="0" lang="en-US" sz="1800" b="0" i="0" u="none" strike="noStrike" cap="none" normalizeH="0" baseline="0" dirty="0">
               <a:ln>
                 <a:noFill/>
               </a:ln>
@@ -19415,13 +19807,6 @@
   <p:clrMapOvr>
     <a:masterClrMapping/>
   </p:clrMapOvr>
-  <p:timing>
-    <p:tnLst>
-      <p:par>
-        <p:cTn id="1" dur="indefinite" restart="never" nodeType="tmRoot"/>
-      </p:par>
-    </p:tnLst>
-  </p:timing>
 </p:sld>
 </file>
 
@@ -19860,14 +20245,14 @@
                     <a:lstStyle/>
                     <a:p>
                       <a:r>
-                        <a:rPr lang="en-IN" b="0" i="0" u="none" strike="noStrike" dirty="0" smtClean="0">
+                        <a:rPr lang="en-IN" b="0" i="0" u="none" strike="noStrike" dirty="0">
                           <a:effectLst/>
                           <a:latin typeface="MathJax_Main-bold"/>
                         </a:rPr>
                         <a:t>x</a:t>
                       </a:r>
                       <a:r>
-                        <a:rPr lang="en-IN" b="0" i="0" u="none" strike="noStrike" dirty="0" smtClean="0">
+                        <a:rPr lang="en-IN" b="0" i="0" u="none" strike="noStrike" dirty="0">
                           <a:effectLst/>
                         </a:rPr>
                         <a:t>D1</a:t>
@@ -20167,14 +20552,14 @@
                     <a:lstStyle/>
                     <a:p>
                       <a:r>
-                        <a:rPr lang="en-IN" b="0" i="0" u="none" strike="noStrike" dirty="0" smtClean="0">
+                        <a:rPr lang="en-IN" b="0" i="0" u="none" strike="noStrike" dirty="0">
                           <a:effectLst/>
                           <a:latin typeface="MathJax_Main-bold"/>
                         </a:rPr>
                         <a:t>x</a:t>
                       </a:r>
                       <a:r>
-                        <a:rPr lang="en-IN" b="0" i="0" u="none" strike="noStrike" dirty="0" smtClean="0">
+                        <a:rPr lang="en-IN" b="0" i="0" u="none" strike="noStrike" dirty="0">
                           <a:effectLst/>
                         </a:rPr>
                         <a:t>D2</a:t>
@@ -20474,7 +20859,7 @@
                     <a:lstStyle/>
                     <a:p>
                       <a:r>
-                        <a:rPr lang="el-GR" b="0" i="0" u="none" strike="noStrike" dirty="0" smtClean="0">
+                        <a:rPr lang="el-GR" b="0" i="0" u="none" strike="noStrike" dirty="0">
                           <a:effectLst/>
                           <a:latin typeface="MathJax_Main"/>
                         </a:rPr>
@@ -20975,7 +21360,7 @@
               <a:tabLst/>
             </a:pPr>
             <a:r>
-              <a:rPr kumimoji="0" lang="en-US" sz="2000" b="1" i="0" u="none" strike="noStrike" cap="none" normalizeH="0" baseline="0" dirty="0" smtClean="0">
+              <a:rPr kumimoji="0" lang="en-US" sz="2000" b="1" i="0" u="none" strike="noStrike" cap="none" normalizeH="0" baseline="0" dirty="0">
                 <a:ln>
                   <a:noFill/>
                 </a:ln>
@@ -20988,7 +21373,7 @@
               <a:t>Table</a:t>
             </a:r>
             <a:r>
-              <a:rPr kumimoji="0" lang="en-US" sz="2000" b="0" i="0" u="none" strike="noStrike" cap="none" normalizeH="0" baseline="0" dirty="0" smtClean="0">
+              <a:rPr kumimoji="0" lang="en-US" sz="2000" b="0" i="0" u="none" strike="noStrike" cap="none" normalizeH="0" baseline="0" dirty="0">
                 <a:ln>
                   <a:noFill/>
                 </a:ln>
@@ -21001,7 +21386,7 @@
               <a:t> </a:t>
             </a:r>
             <a:r>
-              <a:rPr kumimoji="0" lang="en-US" sz="2000" b="0" i="1" u="none" strike="noStrike" cap="none" normalizeH="0" baseline="0" dirty="0" smtClean="0">
+              <a:rPr kumimoji="0" lang="en-US" sz="2000" b="0" i="1" u="none" strike="noStrike" cap="none" normalizeH="0" baseline="0" dirty="0">
                 <a:ln>
                   <a:noFill/>
                 </a:ln>
@@ -21014,7 +21399,7 @@
               <a:t>Bag of words representation of two sample documents </a:t>
             </a:r>
             <a:r>
-              <a:rPr kumimoji="0" lang="en-US" sz="2000" b="0" i="0" u="none" strike="noStrike" cap="none" normalizeH="0" baseline="0" dirty="0" smtClean="0">
+              <a:rPr kumimoji="0" lang="en-US" sz="2000" b="0" i="0" u="none" strike="noStrike" cap="none" normalizeH="0" baseline="0" dirty="0">
                 <a:ln>
                   <a:noFill/>
                 </a:ln>
@@ -21027,7 +21412,7 @@
               <a:t>D</a:t>
             </a:r>
             <a:r>
-              <a:rPr kumimoji="0" lang="en-US" sz="2000" b="0" i="0" u="none" strike="noStrike" cap="none" normalizeH="0" baseline="0" dirty="0" smtClean="0">
+              <a:rPr kumimoji="0" lang="en-US" sz="2000" b="0" i="0" u="none" strike="noStrike" cap="none" normalizeH="0" baseline="0" dirty="0">
                 <a:ln>
                   <a:noFill/>
                 </a:ln>
@@ -21040,7 +21425,7 @@
               <a:t>1</a:t>
             </a:r>
             <a:r>
-              <a:rPr kumimoji="0" lang="en-US" sz="2000" b="0" i="1" u="none" strike="noStrike" cap="none" normalizeH="0" baseline="0" dirty="0" smtClean="0">
+              <a:rPr kumimoji="0" lang="en-US" sz="2000" b="0" i="1" u="none" strike="noStrike" cap="none" normalizeH="0" baseline="0" dirty="0">
                 <a:ln>
                   <a:noFill/>
                 </a:ln>
@@ -21053,7 +21438,7 @@
               <a:t> and </a:t>
             </a:r>
             <a:r>
-              <a:rPr kumimoji="0" lang="en-US" sz="2000" b="0" i="0" u="none" strike="noStrike" cap="none" normalizeH="0" baseline="0" dirty="0" smtClean="0">
+              <a:rPr kumimoji="0" lang="en-US" sz="2000" b="0" i="0" u="none" strike="noStrike" cap="none" normalizeH="0" baseline="0" dirty="0">
                 <a:ln>
                   <a:noFill/>
                 </a:ln>
@@ -21066,7 +21451,7 @@
               <a:t>D</a:t>
             </a:r>
             <a:r>
-              <a:rPr kumimoji="0" lang="en-US" sz="2000" b="0" i="0" u="none" strike="noStrike" cap="none" normalizeH="0" baseline="0" dirty="0" smtClean="0">
+              <a:rPr kumimoji="0" lang="en-US" sz="2000" b="0" i="0" u="none" strike="noStrike" cap="none" normalizeH="0" baseline="0" dirty="0">
                 <a:ln>
                   <a:noFill/>
                 </a:ln>
@@ -21078,7 +21463,7 @@
               </a:rPr>
               <a:t>2</a:t>
             </a:r>
-            <a:endParaRPr kumimoji="0" lang="en-US" sz="2000" b="0" i="0" u="none" strike="noStrike" cap="none" normalizeH="0" baseline="0" dirty="0" smtClean="0">
+            <a:endParaRPr kumimoji="0" lang="en-US" sz="2000" b="0" i="0" u="none" strike="noStrike" cap="none" normalizeH="0" baseline="0" dirty="0">
               <a:ln>
                 <a:noFill/>
               </a:ln>
@@ -21106,7 +21491,7 @@
               <a:tabLst/>
             </a:pPr>
             <a:r>
-              <a:rPr kumimoji="0" lang="en-US" sz="2000" b="0" i="0" u="none" strike="noStrike" cap="none" normalizeH="0" baseline="0" dirty="0" smtClean="0">
+              <a:rPr kumimoji="0" lang="en-US" sz="2000" b="0" i="0" u="none" strike="noStrike" cap="none" normalizeH="0" baseline="0" dirty="0">
                 <a:ln>
                   <a:noFill/>
                 </a:ln>
@@ -21161,7 +21546,7 @@
               <a:tabLst/>
             </a:pPr>
             <a:r>
-              <a:rPr kumimoji="0" lang="en-US" sz="2000" b="0" i="0" u="none" strike="noStrike" cap="none" normalizeH="0" baseline="0" dirty="0" smtClean="0">
+              <a:rPr kumimoji="0" lang="en-US" sz="2000" b="0" i="0" u="none" strike="noStrike" cap="none" normalizeH="0" baseline="0" dirty="0">
                 <a:ln>
                   <a:noFill/>
                 </a:ln>
@@ -21174,7 +21559,7 @@
               <a:t>The answer depends on which probabilistic model is used for the naive Bayes classifier: The </a:t>
             </a:r>
             <a:r>
-              <a:rPr kumimoji="0" lang="en-US" sz="2000" b="0" i="1" u="none" strike="noStrike" cap="none" normalizeH="0" baseline="0" dirty="0" smtClean="0">
+              <a:rPr kumimoji="0" lang="en-US" sz="2000" b="0" i="1" u="none" strike="noStrike" cap="none" normalizeH="0" baseline="0" dirty="0">
                 <a:ln>
                   <a:noFill/>
                 </a:ln>
@@ -21187,7 +21572,7 @@
               <a:t>Multinomial</a:t>
             </a:r>
             <a:r>
-              <a:rPr kumimoji="0" lang="en-US" sz="2000" b="0" i="0" u="none" strike="noStrike" cap="none" normalizeH="0" baseline="0" dirty="0" smtClean="0">
+              <a:rPr kumimoji="0" lang="en-US" sz="2000" b="0" i="0" u="none" strike="noStrike" cap="none" normalizeH="0" baseline="0" dirty="0">
                 <a:ln>
                   <a:noFill/>
                 </a:ln>
@@ -21200,7 +21585,7 @@
               <a:t> or </a:t>
             </a:r>
             <a:r>
-              <a:rPr kumimoji="0" lang="en-US" sz="2000" b="0" i="1" u="none" strike="noStrike" cap="none" normalizeH="0" baseline="0" dirty="0" smtClean="0">
+              <a:rPr kumimoji="0" lang="en-US" sz="2000" b="0" i="1" u="none" strike="noStrike" cap="none" normalizeH="0" baseline="0" dirty="0">
                 <a:ln>
                   <a:noFill/>
                 </a:ln>
@@ -21213,7 +21598,7 @@
               <a:t>Bernoulli</a:t>
             </a:r>
             <a:r>
-              <a:rPr kumimoji="0" lang="en-US" sz="2000" b="0" i="0" u="none" strike="noStrike" cap="none" normalizeH="0" baseline="0" dirty="0" smtClean="0">
+              <a:rPr kumimoji="0" lang="en-US" sz="2000" b="0" i="0" u="none" strike="noStrike" cap="none" normalizeH="0" baseline="0" dirty="0">
                 <a:ln>
                   <a:noFill/>
                 </a:ln>
@@ -21225,8 +21610,8 @@
               </a:rPr>
               <a:t> model</a:t>
             </a:r>
-            <a:r>
-              <a:rPr kumimoji="0" lang="en-US" sz="2000" b="0" i="0" u="none" strike="noStrike" cap="none" normalizeH="0" baseline="0" dirty="0" smtClean="0">
+            <a:br>
+              <a:rPr kumimoji="0" lang="en-US" sz="2000" b="0" i="0" u="none" strike="noStrike" cap="none" normalizeH="0" baseline="0" dirty="0">
                 <a:ln>
                   <a:noFill/>
                 </a:ln>
@@ -21235,20 +21620,8 @@
                 </a:solidFill>
                 <a:effectLst/>
               </a:rPr>
-              <a:t/>
-            </a:r>
-            <a:br>
-              <a:rPr kumimoji="0" lang="en-US" sz="2000" b="0" i="0" u="none" strike="noStrike" cap="none" normalizeH="0" baseline="0" dirty="0" smtClean="0">
-                <a:ln>
-                  <a:noFill/>
-                </a:ln>
-                <a:solidFill>
-                  <a:schemeClr val="tx1"/>
-                </a:solidFill>
-                <a:effectLst/>
-              </a:rPr>
             </a:br>
-            <a:endParaRPr kumimoji="0" lang="en-US" sz="2000" b="0" i="0" u="none" strike="noStrike" cap="none" normalizeH="0" baseline="0" dirty="0" smtClean="0">
+            <a:endParaRPr kumimoji="0" lang="en-US" sz="2000" b="0" i="0" u="none" strike="noStrike" cap="none" normalizeH="0" baseline="0" dirty="0">
               <a:ln>
                 <a:noFill/>
               </a:ln>
@@ -21270,13 +21643,6 @@
   <p:clrMapOvr>
     <a:masterClrMapping/>
   </p:clrMapOvr>
-  <p:timing>
-    <p:tnLst>
-      <p:par>
-        <p:cTn id="1" dur="indefinite" restart="never" nodeType="tmRoot"/>
-      </p:par>
-    </p:tnLst>
-  </p:timing>
 </p:sld>
 </file>
 
@@ -21313,10 +21679,9 @@
           <a:lstStyle/>
           <a:p>
             <a:r>
-              <a:rPr lang="en-IN" dirty="0" smtClean="0"/>
+              <a:rPr lang="en-IN" dirty="0"/>
               <a:t>Tokenization</a:t>
             </a:r>
-            <a:endParaRPr lang="en-IN" dirty="0"/>
           </a:p>
         </p:txBody>
       </p:sp>
@@ -21337,47 +21702,27 @@
           <a:p>
             <a:pPr algn="just"/>
             <a:r>
-              <a:rPr lang="en-IN" sz="2400" i="1" dirty="0" smtClean="0"/>
+              <a:rPr lang="en-IN" sz="2400" i="1" dirty="0"/>
               <a:t>Tokenization</a:t>
             </a:r>
             <a:r>
               <a:rPr lang="en-IN" sz="2400" dirty="0"/>
-              <a:t> describes the general process of breaking down a text corpus into individual elements that serve as input for various natural language processing </a:t>
-            </a:r>
-            <a:r>
-              <a:rPr lang="en-IN" sz="2400" dirty="0" smtClean="0"/>
-              <a:t>algorithms.</a:t>
+              <a:t> describes the general process of breaking down a text corpus into individual elements that serve as input for various natural language processing algorithms.</a:t>
             </a:r>
           </a:p>
           <a:p>
             <a:pPr algn="just"/>
             <a:r>
-              <a:rPr lang="en-IN" sz="2400" dirty="0" smtClean="0"/>
-              <a:t>Usually</a:t>
-            </a:r>
-            <a:r>
               <a:rPr lang="en-IN" sz="2400" dirty="0"/>
-              <a:t>, tokenization is accompanied by other optional processing steps, such as the removal of stop words and punctuation characters, stemming or lemmatizing, and the construction of </a:t>
-            </a:r>
-            <a:r>
-              <a:rPr lang="en-IN" sz="2400" i="1" dirty="0" smtClean="0"/>
+              <a:t>Usually, tokenization is accompanied by other optional processing steps, such as the removal of stop words and punctuation characters, stemming or lemmatizing, and the construction of </a:t>
+            </a:r>
+            <a:r>
+              <a:rPr lang="en-IN" sz="2400" i="1" dirty="0"/>
               <a:t>n-grams</a:t>
             </a:r>
             <a:r>
-              <a:rPr lang="en-IN" sz="2400" dirty="0" smtClean="0"/>
-              <a:t>. </a:t>
-            </a:r>
-            <a:r>
               <a:rPr lang="en-IN" sz="2400" dirty="0"/>
-              <a:t>E</a:t>
-            </a:r>
-            <a:r>
-              <a:rPr lang="en-IN" sz="2400" dirty="0" smtClean="0"/>
-              <a:t>xample </a:t>
-            </a:r>
-            <a:r>
-              <a:rPr lang="en-IN" sz="2400" dirty="0"/>
-              <a:t>of a simple but typical tokenization step that splits a sentence into individual words, removes punctuation, and converts all letters to lowercase.</a:t>
+              <a:t>. Example of a simple but typical tokenization step that splits a sentence into individual words, removes punctuation, and converts all letters to lowercase.</a:t>
             </a:r>
           </a:p>
           <a:p>
@@ -21436,13 +21781,6 @@
   <p:clrMapOvr>
     <a:masterClrMapping/>
   </p:clrMapOvr>
-  <p:timing>
-    <p:tnLst>
-      <p:par>
-        <p:cTn id="1" dur="indefinite" restart="never" nodeType="tmRoot"/>
-      </p:par>
-    </p:tnLst>
-  </p:timing>
 </p:sld>
 </file>
 
@@ -21510,24 +21848,20 @@
             </a:r>
             <a:r>
               <a:rPr lang="en-IN" dirty="0"/>
-              <a:t> describes the process of transforming a word into its root form</a:t>
-            </a:r>
-            <a:r>
-              <a:rPr lang="en-IN" dirty="0" smtClean="0"/>
-              <a:t>.</a:t>
+              <a:t> describes the process of transforming a word into its root form.</a:t>
             </a:r>
           </a:p>
           <a:p>
             <a:endParaRPr lang="en-IN" dirty="0"/>
           </a:p>
           <a:p>
-            <a:endParaRPr lang="en-IN" dirty="0" smtClean="0"/>
-          </a:p>
-          <a:p>
             <a:endParaRPr lang="en-IN" dirty="0"/>
           </a:p>
           <a:p>
-            <a:endParaRPr lang="en-IN" dirty="0" smtClean="0"/>
+            <a:endParaRPr lang="en-IN" dirty="0"/>
+          </a:p>
+          <a:p>
+            <a:endParaRPr lang="en-IN" dirty="0"/>
           </a:p>
           <a:p>
             <a:r>
@@ -21653,13 +21987,6 @@
   <p:clrMapOvr>
     <a:masterClrMapping/>
   </p:clrMapOvr>
-  <p:timing>
-    <p:tnLst>
-      <p:par>
-        <p:cTn id="1" dur="indefinite" restart="never" nodeType="tmRoot"/>
-      </p:par>
-    </p:tnLst>
-  </p:timing>
 </p:sld>
 </file>
 
@@ -21696,10 +22023,9 @@
           <a:lstStyle/>
           <a:p>
             <a:r>
-              <a:rPr lang="en-IN" dirty="0" smtClean="0"/>
+              <a:rPr lang="en-IN" dirty="0"/>
               <a:t>N-grams</a:t>
             </a:r>
-            <a:endParaRPr lang="en-IN" dirty="0"/>
           </a:p>
         </p:txBody>
       </p:sp>
@@ -21800,13 +22126,6 @@
   <p:clrMapOvr>
     <a:masterClrMapping/>
   </p:clrMapOvr>
-  <p:timing>
-    <p:tnLst>
-      <p:par>
-        <p:cTn id="1" dur="indefinite" restart="never" nodeType="tmRoot"/>
-      </p:par>
-    </p:tnLst>
-  </p:timing>
 </p:sld>
 </file>
 
@@ -21844,13 +22163,8 @@
           <a:p>
             <a:r>
               <a:rPr lang="en-IN" dirty="0"/>
-              <a:t>Multinomial Naive </a:t>
-            </a:r>
-            <a:r>
-              <a:rPr lang="en-IN" dirty="0" smtClean="0"/>
-              <a:t>Bayes</a:t>
-            </a:r>
-            <a:endParaRPr lang="en-IN" dirty="0"/>
+              <a:t>Multinomial Naive Bayes</a:t>
+            </a:r>
           </a:p>
         </p:txBody>
       </p:sp>
@@ -22054,7 +22368,7 @@
               <a:tabLst/>
             </a:pPr>
             <a:r>
-              <a:rPr kumimoji="0" lang="en-US" b="1" i="0" u="none" strike="noStrike" cap="none" normalizeH="0" baseline="0" dirty="0" smtClean="0">
+              <a:rPr kumimoji="0" lang="en-US" b="1" i="0" u="none" strike="noStrike" cap="none" normalizeH="0" baseline="0" dirty="0">
                 <a:ln>
                   <a:noFill/>
                 </a:ln>
@@ -22085,7 +22399,7 @@
               <a:tabLst/>
             </a:pPr>
             <a:r>
-              <a:rPr kumimoji="0" lang="en-US" b="0" i="0" u="none" strike="noStrike" cap="none" normalizeH="0" baseline="0" dirty="0" smtClean="0">
+              <a:rPr kumimoji="0" lang="en-US" b="0" i="0" u="none" strike="noStrike" cap="none" normalizeH="0" baseline="0" dirty="0">
                 <a:ln>
                   <a:noFill/>
                 </a:ln>
@@ -22098,7 +22412,7 @@
               <a:t>The term frequency is typically defined as the number of times a given term </a:t>
             </a:r>
             <a:r>
-              <a:rPr kumimoji="0" lang="en-US" b="0" i="1" u="none" strike="noStrike" cap="none" normalizeH="0" baseline="0" dirty="0" smtClean="0">
+              <a:rPr kumimoji="0" lang="en-US" b="0" i="1" u="none" strike="noStrike" cap="none" normalizeH="0" baseline="0" dirty="0">
                 <a:ln>
                   <a:noFill/>
                 </a:ln>
@@ -22111,7 +22425,7 @@
               <a:t>t</a:t>
             </a:r>
             <a:r>
-              <a:rPr kumimoji="0" lang="en-US" b="0" i="0" u="none" strike="noStrike" cap="none" normalizeH="0" baseline="0" dirty="0" smtClean="0">
+              <a:rPr kumimoji="0" lang="en-US" b="0" i="0" u="none" strike="noStrike" cap="none" normalizeH="0" baseline="0" dirty="0">
                 <a:ln>
                   <a:noFill/>
                 </a:ln>
@@ -22124,7 +22438,7 @@
               <a:t> (i.e., word or token) appears in a document </a:t>
             </a:r>
             <a:r>
-              <a:rPr kumimoji="0" lang="en-US" b="0" i="1" u="none" strike="noStrike" cap="none" normalizeH="0" baseline="0" dirty="0" smtClean="0">
+              <a:rPr kumimoji="0" lang="en-US" b="0" i="1" u="none" strike="noStrike" cap="none" normalizeH="0" baseline="0" dirty="0">
                 <a:ln>
                   <a:noFill/>
                 </a:ln>
@@ -22137,7 +22451,7 @@
               <a:t>d</a:t>
             </a:r>
             <a:r>
-              <a:rPr kumimoji="0" lang="en-US" b="0" i="0" u="none" strike="noStrike" cap="none" normalizeH="0" baseline="0" dirty="0" smtClean="0">
+              <a:rPr kumimoji="0" lang="en-US" b="0" i="0" u="none" strike="noStrike" cap="none" normalizeH="0" baseline="0" dirty="0">
                 <a:ln>
                   <a:noFill/>
                 </a:ln>
@@ -22150,7 +22464,7 @@
               <a:t> (this approach is sometimes also called </a:t>
             </a:r>
             <a:r>
-              <a:rPr kumimoji="0" lang="en-US" b="0" i="1" u="none" strike="noStrike" cap="none" normalizeH="0" baseline="0" dirty="0" smtClean="0">
+              <a:rPr kumimoji="0" lang="en-US" b="0" i="1" u="none" strike="noStrike" cap="none" normalizeH="0" baseline="0" dirty="0">
                 <a:ln>
                   <a:noFill/>
                 </a:ln>
@@ -22163,7 +22477,7 @@
               <a:t>raw frequency</a:t>
             </a:r>
             <a:r>
-              <a:rPr kumimoji="0" lang="en-US" b="0" i="0" u="none" strike="noStrike" cap="none" normalizeH="0" baseline="0" dirty="0" smtClean="0">
+              <a:rPr kumimoji="0" lang="en-US" b="0" i="0" u="none" strike="noStrike" cap="none" normalizeH="0" baseline="0" dirty="0">
                 <a:ln>
                   <a:noFill/>
                 </a:ln>
@@ -22193,7 +22507,7 @@
               <a:buNone/>
               <a:tabLst/>
             </a:pPr>
-            <a:endParaRPr kumimoji="0" lang="en-US" b="0" i="0" u="none" strike="noStrike" cap="none" normalizeH="0" baseline="0" dirty="0" smtClean="0">
+            <a:endParaRPr kumimoji="0" lang="en-US" b="0" i="0" u="none" strike="noStrike" cap="none" normalizeH="0" baseline="0" dirty="0">
               <a:ln>
                 <a:noFill/>
               </a:ln>
@@ -22220,8 +22534,8 @@
               <a:buNone/>
               <a:tabLst/>
             </a:pPr>
-            <a:r>
-              <a:rPr kumimoji="0" lang="en-US" sz="1800" b="0" i="0" u="none" strike="noStrike" cap="none" normalizeH="0" baseline="0" dirty="0" smtClean="0">
+            <a:br>
+              <a:rPr kumimoji="0" lang="en-US" sz="1800" b="0" i="0" u="none" strike="noStrike" cap="none" normalizeH="0" baseline="0" dirty="0">
                 <a:ln>
                   <a:noFill/>
                 </a:ln>
@@ -22231,21 +22545,8 @@
                 <a:effectLst/>
                 <a:latin typeface="Arial" panose="020B0604020202020204" pitchFamily="34" charset="0"/>
               </a:rPr>
-              <a:t/>
-            </a:r>
-            <a:br>
-              <a:rPr kumimoji="0" lang="en-US" sz="1800" b="0" i="0" u="none" strike="noStrike" cap="none" normalizeH="0" baseline="0" dirty="0" smtClean="0">
-                <a:ln>
-                  <a:noFill/>
-                </a:ln>
-                <a:solidFill>
-                  <a:schemeClr val="tx1"/>
-                </a:solidFill>
-                <a:effectLst/>
-                <a:latin typeface="Arial" panose="020B0604020202020204" pitchFamily="34" charset="0"/>
-              </a:rPr>
             </a:br>
-            <a:endParaRPr kumimoji="0" lang="en-US" sz="1800" b="0" i="0" u="none" strike="noStrike" cap="none" normalizeH="0" baseline="0" dirty="0" smtClean="0">
+            <a:endParaRPr kumimoji="0" lang="en-US" sz="1800" b="0" i="0" u="none" strike="noStrike" cap="none" normalizeH="0" baseline="0" dirty="0">
               <a:ln>
                 <a:noFill/>
               </a:ln>
@@ -22326,13 +22627,6 @@
   <p:clrMapOvr>
     <a:masterClrMapping/>
   </p:clrMapOvr>
-  <p:timing>
-    <p:tnLst>
-      <p:par>
-        <p:cTn id="1" dur="indefinite" restart="never" nodeType="tmRoot"/>
-      </p:par>
-    </p:tnLst>
-  </p:timing>
 </p:sld>
 </file>
 
@@ -22406,13 +22700,6 @@
   <p:clrMapOvr>
     <a:masterClrMapping/>
   </p:clrMapOvr>
-  <p:timing>
-    <p:tnLst>
-      <p:par>
-        <p:cTn id="1" dur="indefinite" restart="never" nodeType="tmRoot"/>
-      </p:par>
-    </p:tnLst>
-  </p:timing>
 </p:sld>
 </file>
 
@@ -22553,13 +22840,6 @@
   <p:clrMapOvr>
     <a:masterClrMapping/>
   </p:clrMapOvr>
-  <p:timing>
-    <p:tnLst>
-      <p:par>
-        <p:cTn id="1" dur="indefinite" restart="never" nodeType="tmRoot"/>
-      </p:par>
-    </p:tnLst>
-  </p:timing>
 </p:sld>
 </file>
 
@@ -22607,7 +22887,7 @@
               <a:defRPr/>
             </a:pPr>
             <a:r>
-              <a:rPr lang="en-US" smtClean="0">
+              <a:rPr lang="en-US">
                 <a:solidFill>
                   <a:schemeClr val="tx1">
                     <a:lumMod val="75000"/>
@@ -22642,102 +22922,102 @@
           <a:p>
             <a:pPr eaLnBrk="1" hangingPunct="1"/>
             <a:r>
-              <a:rPr lang="en-US" dirty="0" smtClean="0"/>
+              <a:rPr lang="en-US" dirty="0"/>
               <a:t>Total probability Theorem:</a:t>
             </a:r>
           </a:p>
           <a:p>
             <a:pPr eaLnBrk="1" hangingPunct="1"/>
-            <a:endParaRPr lang="en-US" dirty="0" smtClean="0"/>
+            <a:endParaRPr lang="en-US" dirty="0"/>
           </a:p>
           <a:p>
             <a:pPr eaLnBrk="1" hangingPunct="1"/>
             <a:r>
-              <a:rPr lang="en-US" dirty="0" smtClean="0"/>
+              <a:rPr lang="en-US" dirty="0"/>
               <a:t>Bayes’ Theorem:</a:t>
             </a:r>
           </a:p>
           <a:p>
             <a:pPr eaLnBrk="1" hangingPunct="1"/>
-            <a:endParaRPr lang="en-US" dirty="0" smtClean="0"/>
+            <a:endParaRPr lang="en-US" dirty="0"/>
           </a:p>
           <a:p>
             <a:pPr lvl="1" eaLnBrk="1" hangingPunct="1"/>
             <a:r>
-              <a:rPr lang="en-US" dirty="0" smtClean="0"/>
+              <a:rPr lang="en-US" dirty="0"/>
               <a:t>Let </a:t>
             </a:r>
             <a:r>
-              <a:rPr lang="en-US" b="1" dirty="0" smtClean="0"/>
+              <a:rPr lang="en-US" b="1" dirty="0"/>
               <a:t>X</a:t>
             </a:r>
             <a:r>
-              <a:rPr lang="en-US" dirty="0" smtClean="0"/>
+              <a:rPr lang="en-US" dirty="0"/>
               <a:t> be a data sample (“</a:t>
             </a:r>
             <a:r>
-              <a:rPr lang="en-US" i="1" dirty="0" smtClean="0"/>
+              <a:rPr lang="en-US" i="1" dirty="0"/>
               <a:t>evidence</a:t>
             </a:r>
             <a:r>
-              <a:rPr lang="en-US" dirty="0" smtClean="0"/>
+              <a:rPr lang="en-US" dirty="0"/>
               <a:t>”): class label is unknown</a:t>
             </a:r>
           </a:p>
           <a:p>
             <a:pPr lvl="1" eaLnBrk="1" hangingPunct="1"/>
             <a:r>
-              <a:rPr lang="en-US" dirty="0" smtClean="0"/>
+              <a:rPr lang="en-US" dirty="0"/>
               <a:t>Let H be a </a:t>
             </a:r>
             <a:r>
-              <a:rPr lang="en-US" i="1" dirty="0" smtClean="0"/>
+              <a:rPr lang="en-US" i="1" dirty="0"/>
               <a:t>hypothesis</a:t>
             </a:r>
             <a:r>
-              <a:rPr lang="en-US" dirty="0" smtClean="0"/>
+              <a:rPr lang="en-US" dirty="0"/>
               <a:t> that X belongs to class C </a:t>
             </a:r>
           </a:p>
           <a:p>
             <a:pPr lvl="1" eaLnBrk="1" hangingPunct="1"/>
             <a:r>
-              <a:rPr lang="en-US" dirty="0" smtClean="0"/>
+              <a:rPr lang="en-US" dirty="0"/>
               <a:t>Classification is to determine P(H|</a:t>
             </a:r>
             <a:r>
-              <a:rPr lang="en-US" b="1" dirty="0" smtClean="0"/>
+              <a:rPr lang="en-US" b="1" dirty="0"/>
               <a:t>X</a:t>
             </a:r>
             <a:r>
-              <a:rPr lang="en-US" dirty="0" smtClean="0"/>
+              <a:rPr lang="en-US" dirty="0"/>
               <a:t>), (i.e., </a:t>
             </a:r>
             <a:r>
-              <a:rPr lang="en-US" i="1" dirty="0" smtClean="0"/>
+              <a:rPr lang="en-US" i="1" dirty="0"/>
               <a:t>posteriori probability): </a:t>
             </a:r>
             <a:r>
-              <a:rPr lang="en-US" dirty="0" smtClean="0"/>
+              <a:rPr lang="en-US" dirty="0"/>
               <a:t> the probability that the hypothesis holds given the observed data sample </a:t>
             </a:r>
             <a:r>
-              <a:rPr lang="en-US" b="1" dirty="0" smtClean="0"/>
+              <a:rPr lang="en-US" b="1" dirty="0"/>
               <a:t>X</a:t>
             </a:r>
           </a:p>
           <a:p>
             <a:pPr lvl="1" eaLnBrk="1" hangingPunct="1"/>
             <a:r>
-              <a:rPr lang="en-US" dirty="0" smtClean="0"/>
+              <a:rPr lang="en-US" dirty="0"/>
               <a:t>P(H) (</a:t>
             </a:r>
             <a:r>
-              <a:rPr lang="en-US" i="1" dirty="0" smtClean="0"/>
+              <a:rPr lang="en-US" i="1" dirty="0"/>
               <a:t>prior probability</a:t>
             </a:r>
             <a:r>
-              <a:rPr lang="en-US" dirty="0" smtClean="0"/>
+              <a:rPr lang="en-US" dirty="0"/>
               <a:t>): the initial probability</a:t>
             </a:r>
           </a:p>
@@ -22759,38 +23039,38 @@
           <a:p>
             <a:pPr lvl="1" eaLnBrk="1" hangingPunct="1"/>
             <a:r>
-              <a:rPr lang="en-US" dirty="0" smtClean="0"/>
+              <a:rPr lang="en-US" dirty="0"/>
               <a:t>P(</a:t>
             </a:r>
             <a:r>
-              <a:rPr lang="en-US" b="1" dirty="0" smtClean="0"/>
+              <a:rPr lang="en-US" b="1" dirty="0"/>
               <a:t>X</a:t>
             </a:r>
             <a:r>
-              <a:rPr lang="en-US" dirty="0" smtClean="0"/>
+              <a:rPr lang="en-US" dirty="0"/>
               <a:t>): probability that sample data is observed</a:t>
             </a:r>
           </a:p>
           <a:p>
             <a:pPr lvl="1" eaLnBrk="1" hangingPunct="1"/>
             <a:r>
-              <a:rPr lang="en-US" dirty="0" smtClean="0"/>
+              <a:rPr lang="en-US" dirty="0"/>
               <a:t>P(</a:t>
             </a:r>
             <a:r>
-              <a:rPr lang="en-US" b="1" dirty="0" smtClean="0"/>
+              <a:rPr lang="en-US" b="1" dirty="0"/>
               <a:t>X</a:t>
             </a:r>
             <a:r>
-              <a:rPr lang="en-US" dirty="0" smtClean="0"/>
+              <a:rPr lang="en-US" dirty="0"/>
               <a:t>|H) (likelihood): the probability of observing the sample </a:t>
             </a:r>
             <a:r>
-              <a:rPr lang="en-US" b="1" dirty="0" smtClean="0"/>
+              <a:rPr lang="en-US" b="1" dirty="0"/>
               <a:t>X</a:t>
             </a:r>
             <a:r>
-              <a:rPr lang="en-US" dirty="0" smtClean="0"/>
+              <a:rPr lang="en-US" dirty="0"/>
               <a:t>, given that the hypothesis holds</a:t>
             </a:r>
           </a:p>
@@ -22816,6 +23096,10 @@
               <a:rPr lang="en-US" sz="1800" dirty="0"/>
               <a:t> will buy computer, the prob. that X is 31..40, medium income</a:t>
             </a:r>
+          </a:p>
+          <a:p>
+            <a:pPr lvl="2" eaLnBrk="1" hangingPunct="1"/>
+            <a:endParaRPr lang="en-US" sz="1800" dirty="0"/>
           </a:p>
         </p:txBody>
       </p:sp>
@@ -22841,7 +23125,7 @@
           <a:graphicData uri="http://schemas.openxmlformats.org/presentationml/2006/ole">
             <mc:AlternateContent xmlns:mc="http://schemas.openxmlformats.org/markup-compatibility/2006">
               <mc:Choice xmlns:v="urn:schemas-microsoft-com:vml" Requires="v">
-                <p:oleObj spid="_x0000_s1092" name="Equation" r:id="rId4" imgW="2476500" imgH="685800" progId="Equation.3">
+                <p:oleObj spid="_x0000_s1106" name="Equation" r:id="rId4" imgW="2476500" imgH="685800" progId="Equation.3">
                   <p:embed/>
                 </p:oleObj>
               </mc:Choice>
@@ -22930,7 +23214,7 @@
           <a:graphicData uri="http://schemas.openxmlformats.org/presentationml/2006/ole">
             <mc:AlternateContent xmlns:mc="http://schemas.openxmlformats.org/markup-compatibility/2006">
               <mc:Choice xmlns:v="urn:schemas-microsoft-com:vml" Requires="v">
-                <p:oleObj spid="_x0000_s1093" name="Equation" r:id="rId6" imgW="4813300" imgH="558800" progId="Equation.3">
+                <p:oleObj spid="_x0000_s1107" name="Equation" r:id="rId6" imgW="4813300" imgH="558800" progId="Equation.3">
                   <p:embed/>
                 </p:oleObj>
               </mc:Choice>
@@ -22997,6 +23281,42 @@
           </a:graphicData>
         </a:graphic>
       </p:graphicFrame>
+      <p:sp>
+        <p:nvSpPr>
+          <p:cNvPr id="2" name="TextBox 1">
+            <a:extLst>
+              <a:ext uri="{FF2B5EF4-FFF2-40B4-BE49-F238E27FC236}">
+                <a16:creationId xmlns:a16="http://schemas.microsoft.com/office/drawing/2014/main" id="{16FBBF82-4EA4-2A4F-9C2D-093F1BF1BD6E}"/>
+              </a:ext>
+            </a:extLst>
+          </p:cNvPr>
+          <p:cNvSpPr txBox="1"/>
+          <p:nvPr/>
+        </p:nvSpPr>
+        <p:spPr>
+          <a:xfrm>
+            <a:off x="2889161" y="1072055"/>
+            <a:ext cx="8777322" cy="646331"/>
+          </a:xfrm>
+          <a:prstGeom prst="rect">
+            <a:avLst/>
+          </a:prstGeom>
+          <a:noFill/>
+        </p:spPr>
+        <p:txBody>
+          <a:bodyPr wrap="square" rtlCol="0">
+            <a:spAutoFit/>
+          </a:bodyPr>
+          <a:lstStyle/>
+          <a:p>
+            <a:r>
+              <a:rPr lang="en-IN" dirty="0"/>
+              <a:t>A posterior probability, in Bayesian statistics, is the revised or updated probability of an event occurring after taking into consideration new information</a:t>
+            </a:r>
+            <a:endParaRPr lang="en-US" dirty="0"/>
+          </a:p>
+        </p:txBody>
+      </p:sp>
     </p:spTree>
     <p:extLst>
       <p:ext uri="{BB962C8B-B14F-4D97-AF65-F5344CB8AC3E}">
@@ -23008,13 +23328,6 @@
     <a:masterClrMapping/>
   </p:clrMapOvr>
   <p:transition spd="slow"/>
-  <p:timing>
-    <p:tnLst>
-      <p:par>
-        <p:cTn id="1" dur="indefinite" restart="never" nodeType="tmRoot"/>
-      </p:par>
-    </p:tnLst>
-  </p:timing>
 </p:sld>
 </file>
 
@@ -23107,13 +23420,6 @@
   <p:clrMapOvr>
     <a:masterClrMapping/>
   </p:clrMapOvr>
-  <p:timing>
-    <p:tnLst>
-      <p:par>
-        <p:cTn id="1" dur="indefinite" restart="never" nodeType="tmRoot"/>
-      </p:par>
-    </p:tnLst>
-  </p:timing>
 </p:sld>
 </file>
 
@@ -23368,7 +23674,7 @@
               <a:tabLst/>
             </a:pPr>
             <a:r>
-              <a:rPr kumimoji="0" lang="en-US" sz="2400" b="0" i="0" u="none" strike="noStrike" cap="none" normalizeH="0" baseline="0" dirty="0" smtClean="0">
+              <a:rPr kumimoji="0" lang="en-US" sz="2400" b="0" i="0" u="none" strike="noStrike" cap="none" normalizeH="0" baseline="0" dirty="0">
                 <a:ln>
                   <a:noFill/>
                 </a:ln>
@@ -23381,7 +23687,7 @@
               <a:t>The </a:t>
             </a:r>
             <a:r>
-              <a:rPr kumimoji="0" lang="en-US" sz="2400" b="0" i="1" u="none" strike="noStrike" cap="none" normalizeH="0" baseline="0" dirty="0" smtClean="0">
+              <a:rPr kumimoji="0" lang="en-US" sz="2400" b="0" i="1" u="none" strike="noStrike" cap="none" normalizeH="0" baseline="0" dirty="0">
                 <a:ln>
                   <a:noFill/>
                 </a:ln>
@@ -23394,7 +23700,7 @@
               <a:t>Multi-</a:t>
             </a:r>
             <a:r>
-              <a:rPr kumimoji="0" lang="en-US" sz="2400" b="0" i="1" u="none" strike="noStrike" cap="none" normalizeH="0" baseline="0" dirty="0" err="1" smtClean="0">
+              <a:rPr kumimoji="0" lang="en-US" sz="2400" b="0" i="1" u="none" strike="noStrike" cap="none" normalizeH="0" baseline="0" dirty="0" err="1">
                 <a:ln>
                   <a:noFill/>
                 </a:ln>
@@ -23407,7 +23713,7 @@
               <a:t>variate</a:t>
             </a:r>
             <a:r>
-              <a:rPr kumimoji="0" lang="en-US" sz="2400" b="0" i="1" u="none" strike="noStrike" cap="none" normalizeH="0" baseline="0" dirty="0" smtClean="0">
+              <a:rPr kumimoji="0" lang="en-US" sz="2400" b="0" i="1" u="none" strike="noStrike" cap="none" normalizeH="0" baseline="0" dirty="0">
                 <a:ln>
                   <a:noFill/>
                 </a:ln>
@@ -23420,7 +23726,7 @@
               <a:t> Bernoulli</a:t>
             </a:r>
             <a:r>
-              <a:rPr kumimoji="0" lang="en-US" sz="2400" b="0" i="0" u="none" strike="noStrike" cap="none" normalizeH="0" baseline="0" dirty="0" smtClean="0">
+              <a:rPr kumimoji="0" lang="en-US" sz="2400" b="0" i="0" u="none" strike="noStrike" cap="none" normalizeH="0" baseline="0" dirty="0">
                 <a:ln>
                   <a:noFill/>
                 </a:ln>
@@ -23433,7 +23739,7 @@
               <a:t> model is based on binary data: Every token in the feature vector of a document is associated with the value 1 or 0. The feature vector has </a:t>
             </a:r>
             <a:r>
-              <a:rPr kumimoji="0" lang="en-US" sz="2400" b="0" i="0" u="none" strike="noStrike" cap="none" normalizeH="0" baseline="0" dirty="0" smtClean="0">
+              <a:rPr kumimoji="0" lang="en-US" sz="2400" b="0" i="0" u="none" strike="noStrike" cap="none" normalizeH="0" baseline="0" dirty="0">
                 <a:ln>
                   <a:noFill/>
                 </a:ln>
@@ -23446,7 +23752,7 @@
               <a:t>m</a:t>
             </a:r>
             <a:r>
-              <a:rPr kumimoji="0" lang="en-US" sz="2400" b="0" i="0" u="none" strike="noStrike" cap="none" normalizeH="0" baseline="0" dirty="0" smtClean="0">
+              <a:rPr kumimoji="0" lang="en-US" sz="2400" b="0" i="0" u="none" strike="noStrike" cap="none" normalizeH="0" baseline="0" dirty="0">
                 <a:ln>
                   <a:noFill/>
                 </a:ln>
@@ -23459,7 +23765,7 @@
               <a:t> dimensions where </a:t>
             </a:r>
             <a:r>
-              <a:rPr kumimoji="0" lang="en-US" sz="2400" b="0" i="0" u="none" strike="noStrike" cap="none" normalizeH="0" baseline="0" dirty="0" smtClean="0">
+              <a:rPr kumimoji="0" lang="en-US" sz="2400" b="0" i="0" u="none" strike="noStrike" cap="none" normalizeH="0" baseline="0" dirty="0">
                 <a:ln>
                   <a:noFill/>
                 </a:ln>
@@ -23472,7 +23778,7 @@
               <a:t>m</a:t>
             </a:r>
             <a:r>
-              <a:rPr kumimoji="0" lang="en-US" sz="2400" b="0" i="0" u="none" strike="noStrike" cap="none" normalizeH="0" baseline="0" dirty="0" smtClean="0">
+              <a:rPr kumimoji="0" lang="en-US" sz="2400" b="0" i="0" u="none" strike="noStrike" cap="none" normalizeH="0" baseline="0" dirty="0">
                 <a:ln>
                   <a:noFill/>
                 </a:ln>
@@ -23485,7 +23791,7 @@
               <a:t> is the number of words in the whole vocabulary (the value 1 means that the word occurs in the particular document, and 0 means that the word does not occur in this document. The Bernoulli trials can be written as</a:t>
             </a:r>
             <a:r>
-              <a:rPr kumimoji="0" lang="en-US" sz="2400" b="0" i="0" u="none" strike="noStrike" cap="none" normalizeH="0" baseline="0" dirty="0" smtClean="0">
+              <a:rPr kumimoji="0" lang="en-US" sz="2400" b="0" i="0" u="none" strike="noStrike" cap="none" normalizeH="0" baseline="0" dirty="0">
                 <a:ln>
                   <a:noFill/>
                 </a:ln>
@@ -23509,13 +23815,6 @@
   <p:clrMapOvr>
     <a:masterClrMapping/>
   </p:clrMapOvr>
-  <p:timing>
-    <p:tnLst>
-      <p:par>
-        <p:cTn id="1" dur="indefinite" restart="never" nodeType="tmRoot"/>
-      </p:par>
-    </p:tnLst>
-  </p:timing>
 </p:sld>
 </file>
 
@@ -23570,13 +23869,6 @@
   <p:clrMapOvr>
     <a:masterClrMapping/>
   </p:clrMapOvr>
-  <p:timing>
-    <p:tnLst>
-      <p:par>
-        <p:cTn id="1" dur="indefinite" restart="never" nodeType="tmRoot"/>
-      </p:par>
-    </p:tnLst>
-  </p:timing>
 </p:sld>
 </file>
 
@@ -23669,13 +23961,6 @@
   <p:clrMapOvr>
     <a:masterClrMapping/>
   </p:clrMapOvr>
-  <p:timing>
-    <p:tnLst>
-      <p:par>
-        <p:cTn id="1" dur="indefinite" restart="never" nodeType="tmRoot"/>
-      </p:par>
-    </p:tnLst>
-  </p:timing>
 </p:sld>
 </file>
 
@@ -23735,25 +24020,25 @@
           <a:bodyPr/>
           <a:lstStyle/>
           <a:p>
-            <a:endParaRPr lang="en-IN" dirty="0" smtClean="0"/>
-          </a:p>
-          <a:p>
             <a:endParaRPr lang="en-IN" dirty="0"/>
           </a:p>
           <a:p>
-            <a:endParaRPr lang="en-IN" dirty="0" smtClean="0"/>
-          </a:p>
-          <a:p>
             <a:endParaRPr lang="en-IN" dirty="0"/>
           </a:p>
           <a:p>
-            <a:endParaRPr lang="en-IN" dirty="0" smtClean="0"/>
-          </a:p>
-          <a:p>
             <a:endParaRPr lang="en-IN" dirty="0"/>
           </a:p>
           <a:p>
-            <a:endParaRPr lang="en-IN" dirty="0" smtClean="0"/>
+            <a:endParaRPr lang="en-IN" dirty="0"/>
+          </a:p>
+          <a:p>
+            <a:endParaRPr lang="en-IN" dirty="0"/>
+          </a:p>
+          <a:p>
+            <a:endParaRPr lang="en-IN" dirty="0"/>
+          </a:p>
+          <a:p>
+            <a:endParaRPr lang="en-IN" dirty="0"/>
           </a:p>
           <a:p>
             <a:endParaRPr lang="en-IN" dirty="0"/>
@@ -23842,13 +24127,6 @@
   <p:clrMapOvr>
     <a:masterClrMapping/>
   </p:clrMapOvr>
-  <p:timing>
-    <p:tnLst>
-      <p:par>
-        <p:cTn id="1" dur="indefinite" restart="never" nodeType="tmRoot"/>
-      </p:par>
-    </p:tnLst>
-  </p:timing>
 </p:sld>
 </file>
 
@@ -23905,13 +24183,6 @@
   <p:clrMapOvr>
     <a:masterClrMapping/>
   </p:clrMapOvr>
-  <p:timing>
-    <p:tnLst>
-      <p:par>
-        <p:cTn id="1" dur="indefinite" restart="never" nodeType="tmRoot"/>
-      </p:par>
-    </p:tnLst>
-  </p:timing>
 </p:sld>
 </file>
 
@@ -24011,13 +24282,6 @@
   <p:clrMapOvr>
     <a:masterClrMapping/>
   </p:clrMapOvr>
-  <p:timing>
-    <p:tnLst>
-      <p:par>
-        <p:cTn id="1" dur="indefinite" restart="never" nodeType="tmRoot"/>
-      </p:par>
-    </p:tnLst>
-  </p:timing>
 </p:sld>
 </file>
 
@@ -24098,13 +24362,6 @@
   <p:clrMapOvr>
     <a:masterClrMapping/>
   </p:clrMapOvr>
-  <p:timing>
-    <p:tnLst>
-      <p:par>
-        <p:cTn id="1" dur="indefinite" restart="never" nodeType="tmRoot"/>
-      </p:par>
-    </p:tnLst>
-  </p:timing>
 </p:sld>
 </file>
 
@@ -24151,7 +24408,7 @@
               <a:defRPr/>
             </a:pPr>
             <a:r>
-              <a:rPr lang="en-US" smtClean="0"/>
+              <a:rPr lang="en-US"/>
               <a:t>Naïve Bayes Classifier: Comments</a:t>
             </a:r>
           </a:p>
@@ -24221,7 +24478,7 @@
           <a:p>
             <a:pPr lvl="2" eaLnBrk="1" hangingPunct="1"/>
             <a:r>
-              <a:rPr lang="en-US" dirty="0" smtClean="0"/>
+              <a:rPr lang="en-US" dirty="0"/>
               <a:t>E.g.,  hospitals: patients: Profile: age, family history, etc. </a:t>
             </a:r>
           </a:p>
@@ -24231,7 +24488,7 @@
               <a:buNone/>
             </a:pPr>
             <a:r>
-              <a:rPr lang="en-US" dirty="0" smtClean="0"/>
+              <a:rPr lang="en-US" dirty="0"/>
               <a:t> </a:t>
             </a:r>
             <a:r>
@@ -24242,7 +24499,7 @@
           <a:p>
             <a:pPr lvl="2" eaLnBrk="1" hangingPunct="1"/>
             <a:r>
-              <a:rPr lang="en-US" dirty="0" smtClean="0"/>
+              <a:rPr lang="en-US" dirty="0"/>
               <a:t>Dependencies among these cannot be modeled by Naïve Bayes Classifier</a:t>
             </a:r>
           </a:p>
@@ -24266,13 +24523,6 @@
     <a:masterClrMapping/>
   </p:clrMapOvr>
   <p:transition spd="slow"/>
-  <p:timing>
-    <p:tnLst>
-      <p:par>
-        <p:cTn id="1" dur="indefinite" restart="never" nodeType="tmRoot"/>
-      </p:par>
-    </p:tnLst>
-  </p:timing>
 </p:sld>
 </file>
 
@@ -24322,7 +24572,7 @@
               <a:defRPr/>
             </a:pPr>
             <a:r>
-              <a:rPr lang="en-US" smtClean="0">
+              <a:rPr lang="en-US">
                 <a:solidFill>
                   <a:schemeClr val="tx1">
                     <a:lumMod val="75000"/>
@@ -24820,7 +25070,7 @@
           <a:graphicData uri="http://schemas.openxmlformats.org/presentationml/2006/ole">
             <mc:AlternateContent xmlns:mc="http://schemas.openxmlformats.org/markup-compatibility/2006">
               <mc:Choice xmlns:v="urn:schemas-microsoft-com:vml" Requires="v">
-                <p:oleObj spid="_x0000_s2083" name="Equation" r:id="rId4" imgW="4813300" imgH="558800" progId="Equation.3">
+                <p:oleObj spid="_x0000_s2090" name="Equation" r:id="rId4" imgW="4813300" imgH="558800" progId="Equation.3">
                   <p:embed/>
                 </p:oleObj>
               </mc:Choice>
@@ -24908,13 +25158,6 @@
     <a:masterClrMapping/>
   </p:clrMapOvr>
   <p:transition spd="slow"/>
-  <p:timing>
-    <p:tnLst>
-      <p:par>
-        <p:cTn id="1" dur="indefinite" restart="never" nodeType="tmRoot"/>
-      </p:par>
-    </p:tnLst>
-  </p:timing>
 </p:sld>
 </file>
 
@@ -25399,7 +25642,7 @@
           <a:graphicData uri="http://schemas.openxmlformats.org/presentationml/2006/ole">
             <mc:AlternateContent xmlns:mc="http://schemas.openxmlformats.org/markup-compatibility/2006">
               <mc:Choice xmlns:v="urn:schemas-microsoft-com:vml" Requires="v">
-                <p:oleObj spid="_x0000_s3140" name="Equation" r:id="rId4" imgW="2501640" imgH="647640" progId="Equation.3">
+                <p:oleObj spid="_x0000_s3154" name="Equation" r:id="rId4" imgW="2501640" imgH="647640" progId="Equation.3">
                   <p:embed/>
                 </p:oleObj>
               </mc:Choice>
@@ -25493,7 +25736,7 @@
           <a:graphicData uri="http://schemas.openxmlformats.org/presentationml/2006/ole">
             <mc:AlternateContent xmlns:mc="http://schemas.openxmlformats.org/markup-compatibility/2006">
               <mc:Choice xmlns:v="urn:schemas-microsoft-com:vml" Requires="v">
-                <p:oleObj spid="_x0000_s3141" name="Equation" r:id="rId6" imgW="2476500" imgH="381000" progId="Equation.3">
+                <p:oleObj spid="_x0000_s3155" name="Equation" r:id="rId6" imgW="2476500" imgH="381000" progId="Equation.3">
                   <p:embed/>
                 </p:oleObj>
               </mc:Choice>
@@ -25583,13 +25826,6 @@
   <p:transition>
     <p:zoom/>
   </p:transition>
-  <p:timing>
-    <p:tnLst>
-      <p:par>
-        <p:cTn id="1" dur="indefinite" restart="never" nodeType="tmRoot"/>
-      </p:par>
-    </p:tnLst>
-  </p:timing>
 </p:sld>
 </file>
 
@@ -25639,7 +25875,7 @@
               <a:defRPr/>
             </a:pPr>
             <a:r>
-              <a:rPr lang="en-US" smtClean="0">
+              <a:rPr lang="en-US">
                 <a:solidFill>
                   <a:schemeClr val="tx1">
                     <a:lumMod val="75000"/>
@@ -25914,7 +26150,7 @@
           <a:graphicData uri="http://schemas.openxmlformats.org/presentationml/2006/ole">
             <mc:AlternateContent xmlns:mc="http://schemas.openxmlformats.org/markup-compatibility/2006">
               <mc:Choice xmlns:v="urn:schemas-microsoft-com:vml" Requires="v">
-                <p:oleObj spid="_x0000_s4197" name="Equation" r:id="rId4" imgW="4089240" imgH="507960" progId="Equation.3">
+                <p:oleObj spid="_x0000_s4218" name="Equation" r:id="rId4" imgW="4089240" imgH="507960" progId="Equation.3">
                   <p:embed/>
                 </p:oleObj>
               </mc:Choice>
@@ -25995,20 +26231,20 @@
             <p:ph sz="quarter" idx="3"/>
             <p:extLst>
               <p:ext uri="{D42A27DB-BD31-4B8C-83A1-F6EECF244321}">
-                <p14:modId xmlns:p14="http://schemas.microsoft.com/office/powerpoint/2010/main" val="3866504688"/>
+                <p14:modId xmlns:p14="http://schemas.microsoft.com/office/powerpoint/2010/main" val="1284856486"/>
               </p:ext>
             </p:extLst>
           </p:nvPr>
         </p:nvGraphicFramePr>
         <p:xfrm>
-          <a:off x="5715491" y="4824010"/>
+          <a:off x="5715491" y="4813500"/>
           <a:ext cx="2889250" cy="838200"/>
         </p:xfrm>
         <a:graphic>
           <a:graphicData uri="http://schemas.openxmlformats.org/presentationml/2006/ole">
             <mc:AlternateContent xmlns:mc="http://schemas.openxmlformats.org/markup-compatibility/2006">
               <mc:Choice xmlns:v="urn:schemas-microsoft-com:vml" Requires="v">
-                <p:oleObj spid="_x0000_s4198" name="Equation" r:id="rId6" imgW="1663700" imgH="482600" progId="Equation.3">
+                <p:oleObj spid="_x0000_s4219" name="Equation" r:id="rId6" imgW="1663700" imgH="482600" progId="Equation.3">
                   <p:embed/>
                 </p:oleObj>
               </mc:Choice>
@@ -26038,7 +26274,7 @@
                     </p:blipFill>
                     <p:spPr bwMode="auto">
                       <a:xfrm>
-                        <a:off x="5715491" y="4824010"/>
+                        <a:off x="5715491" y="4813500"/>
                         <a:ext cx="2889250" cy="838200"/>
                       </a:xfrm>
                       <a:prstGeom prst="rect">
@@ -26107,7 +26343,7 @@
           <a:graphicData uri="http://schemas.openxmlformats.org/presentationml/2006/ole">
             <mc:AlternateContent xmlns:mc="http://schemas.openxmlformats.org/markup-compatibility/2006">
               <mc:Choice xmlns:v="urn:schemas-microsoft-com:vml" Requires="v">
-                <p:oleObj spid="_x0000_s4199" name="Equation" r:id="rId8" imgW="1625600" imgH="241300" progId="Equation.3">
+                <p:oleObj spid="_x0000_s4220" name="Equation" r:id="rId8" imgW="1625600" imgH="241300" progId="Equation.3">
                   <p:embed/>
                 </p:oleObj>
               </mc:Choice>
@@ -26197,13 +26433,6 @@
   <p:transition>
     <p:zoom/>
   </p:transition>
-  <p:timing>
-    <p:tnLst>
-      <p:par>
-        <p:cTn id="1" dur="indefinite" restart="never" nodeType="tmRoot"/>
-      </p:par>
-    </p:tnLst>
-  </p:timing>
 </p:sld>
 </file>
 
@@ -26250,7 +26479,7 @@
               <a:defRPr/>
             </a:pPr>
             <a:r>
-              <a:rPr lang="en-US" smtClean="0"/>
+              <a:rPr lang="en-US"/>
               <a:t>Naïve Bayes Classifier: Training Dataset</a:t>
             </a:r>
           </a:p>
@@ -26279,7 +26508,7 @@
           <a:graphicData uri="http://schemas.openxmlformats.org/presentationml/2006/ole">
             <mc:AlternateContent xmlns:mc="http://schemas.openxmlformats.org/markup-compatibility/2006">
               <mc:Choice xmlns:v="urn:schemas-microsoft-com:vml" Requires="v">
-                <p:oleObj spid="_x0000_s5155" name="Worksheet" r:id="rId4" imgW="4324438" imgH="4457652" progId="Excel.Sheet.8">
+                <p:oleObj spid="_x0000_s5162" name="Worksheet" r:id="rId4" imgW="4324438" imgH="4457652" progId="Excel.Sheet.8">
                   <p:embed/>
                 </p:oleObj>
               </mc:Choice>
@@ -26320,34 +26549,6 @@
                         <a:noFill/>
                       </a:ln>
                       <a:effectLst/>
-                      <a:extLst>
-                        <a:ext uri="{909E8E84-426E-40DD-AFC4-6F175D3DCCD1}">
-                          <a14:hiddenFill xmlns:a14="http://schemas.microsoft.com/office/drawing/2010/main">
-                            <a:solidFill>
-                              <a:schemeClr val="accent1"/>
-                            </a:solidFill>
-                          </a14:hiddenFill>
-                        </a:ext>
-                        <a:ext uri="{91240B29-F687-4F45-9708-019B960494DF}">
-                          <a14:hiddenLine xmlns:a14="http://schemas.microsoft.com/office/drawing/2010/main" w="9525">
-                            <a:solidFill>
-                              <a:schemeClr val="tx1"/>
-                            </a:solidFill>
-                            <a:miter lim="800000"/>
-                            <a:headEnd/>
-                            <a:tailEnd/>
-                          </a14:hiddenLine>
-                        </a:ext>
-                        <a:ext uri="{AF507438-7753-43E0-B8FC-AC1667EBCBE1}">
-                          <a14:hiddenEffects xmlns:a14="http://schemas.microsoft.com/office/drawing/2010/main">
-                            <a:effectLst>
-                              <a:outerShdw dist="35921" dir="2700000" algn="ctr" rotWithShape="0">
-                                <a:schemeClr val="bg2"/>
-                              </a:outerShdw>
-                            </a:effectLst>
-                          </a14:hiddenEffects>
-                        </a:ext>
-                      </a:extLst>
                     </p:spPr>
                   </p:pic>
                 </p:oleObj>
@@ -27137,13 +27338,6 @@
     <a:masterClrMapping/>
   </p:clrMapOvr>
   <p:transition spd="slow"/>
-  <p:timing>
-    <p:tnLst>
-      <p:par>
-        <p:cTn id="1" dur="indefinite" restart="never" nodeType="tmRoot"/>
-      </p:par>
-    </p:tnLst>
-  </p:timing>
 </p:sld>
 </file>
 
@@ -27190,7 +27384,7 @@
               <a:defRPr/>
             </a:pPr>
             <a:r>
-              <a:rPr lang="en-US" smtClean="0"/>
+              <a:rPr lang="en-US"/>
               <a:t>Naïve Bayes Classifier: An Example</a:t>
             </a:r>
           </a:p>
@@ -27218,27 +27412,27 @@
           <a:p>
             <a:pPr eaLnBrk="1" hangingPunct="1"/>
             <a:r>
-              <a:rPr lang="en-US" dirty="0" smtClean="0"/>
+              <a:rPr lang="en-US" dirty="0"/>
               <a:t>P(</a:t>
             </a:r>
             <a:r>
-              <a:rPr lang="en-US" dirty="0" err="1" smtClean="0"/>
+              <a:rPr lang="en-US" dirty="0" err="1"/>
               <a:t>C</a:t>
             </a:r>
             <a:r>
-              <a:rPr lang="en-US" baseline="-25000" dirty="0" err="1" smtClean="0"/>
+              <a:rPr lang="en-US" baseline="-25000" dirty="0" err="1"/>
               <a:t>i</a:t>
             </a:r>
             <a:r>
-              <a:rPr lang="en-US" dirty="0" smtClean="0"/>
+              <a:rPr lang="en-US" dirty="0"/>
               <a:t>):    P(</a:t>
             </a:r>
             <a:r>
-              <a:rPr lang="en-US" dirty="0" err="1" smtClean="0"/>
+              <a:rPr lang="en-US" dirty="0" err="1"/>
               <a:t>buys_computer</a:t>
             </a:r>
             <a:r>
-              <a:rPr lang="en-US" dirty="0" smtClean="0"/>
+              <a:rPr lang="en-US" dirty="0"/>
               <a:t> = “yes”)  = 9/14 = 0.643</a:t>
             </a:r>
           </a:p>
@@ -27248,34 +27442,34 @@
               <a:buNone/>
             </a:pPr>
             <a:r>
-              <a:rPr lang="en-US" dirty="0" smtClean="0"/>
+              <a:rPr lang="en-US" dirty="0"/>
               <a:t>                   P(</a:t>
             </a:r>
             <a:r>
-              <a:rPr lang="en-US" dirty="0" err="1" smtClean="0"/>
+              <a:rPr lang="en-US" dirty="0" err="1"/>
               <a:t>buys_computer</a:t>
             </a:r>
             <a:r>
-              <a:rPr lang="en-US" dirty="0" smtClean="0"/>
+              <a:rPr lang="en-US" dirty="0"/>
               <a:t> = “no”) = 5/14= 0.357</a:t>
             </a:r>
           </a:p>
           <a:p>
             <a:pPr eaLnBrk="1" hangingPunct="1"/>
             <a:r>
-              <a:rPr lang="en-US" dirty="0" smtClean="0"/>
+              <a:rPr lang="en-US" dirty="0"/>
               <a:t>Compute P(</a:t>
             </a:r>
             <a:r>
-              <a:rPr lang="en-US" dirty="0" err="1" smtClean="0"/>
+              <a:rPr lang="en-US" dirty="0" err="1"/>
               <a:t>X|C</a:t>
             </a:r>
             <a:r>
-              <a:rPr lang="en-US" baseline="-25000" dirty="0" err="1" smtClean="0"/>
+              <a:rPr lang="en-US" baseline="-25000" dirty="0" err="1"/>
               <a:t>i</a:t>
             </a:r>
             <a:r>
-              <a:rPr lang="en-US" dirty="0" smtClean="0"/>
+              <a:rPr lang="en-US" dirty="0"/>
               <a:t>) for each class</a:t>
             </a:r>
           </a:p>
@@ -27470,7 +27664,7 @@
           <a:graphicData uri="http://schemas.openxmlformats.org/presentationml/2006/ole">
             <mc:AlternateContent xmlns:mc="http://schemas.openxmlformats.org/markup-compatibility/2006">
               <mc:Choice xmlns:v="urn:schemas-microsoft-com:vml" Requires="v">
-                <p:oleObj spid="_x0000_s6179" name="Worksheet" r:id="rId4" imgW="4324438" imgH="4457652" progId="Excel.Sheet.8">
+                <p:oleObj spid="_x0000_s6186" name="Worksheet" r:id="rId4" imgW="4324438" imgH="4457652" progId="Excel.Sheet.8">
                   <p:embed/>
                 </p:oleObj>
               </mc:Choice>
@@ -27548,13 +27742,6 @@
     <a:masterClrMapping/>
   </p:clrMapOvr>
   <p:transition spd="slow"/>
-  <p:timing>
-    <p:tnLst>
-      <p:par>
-        <p:cTn id="1" dur="indefinite" restart="never" nodeType="tmRoot"/>
-      </p:par>
-    </p:tnLst>
-  </p:timing>
 </p:sld>
 </file>
 
@@ -27619,15 +27806,15 @@
           <a:p>
             <a:pPr eaLnBrk="1" hangingPunct="1"/>
             <a:r>
-              <a:rPr lang="en-US" b="1" dirty="0" smtClean="0"/>
+              <a:rPr lang="en-US" b="1" dirty="0"/>
               <a:t>X = (age &lt;= 30 , income = medium, student = yes, </a:t>
             </a:r>
             <a:r>
-              <a:rPr lang="en-US" b="1" dirty="0" err="1" smtClean="0"/>
+              <a:rPr lang="en-US" b="1" dirty="0" err="1"/>
               <a:t>credit_rating</a:t>
             </a:r>
             <a:r>
-              <a:rPr lang="en-US" b="1" dirty="0" smtClean="0"/>
+              <a:rPr lang="en-US" b="1" dirty="0"/>
               <a:t> = fair)</a:t>
             </a:r>
           </a:p>
@@ -27637,35 +27824,35 @@
               <a:buNone/>
             </a:pPr>
             <a:r>
-              <a:rPr lang="en-US" dirty="0" smtClean="0"/>
+              <a:rPr lang="en-US" dirty="0"/>
               <a:t> </a:t>
             </a:r>
             <a:r>
-              <a:rPr lang="en-US" b="1" dirty="0" smtClean="0"/>
+              <a:rPr lang="en-US" b="1" dirty="0"/>
               <a:t>P(</a:t>
             </a:r>
             <a:r>
-              <a:rPr lang="en-US" b="1" dirty="0" err="1" smtClean="0"/>
+              <a:rPr lang="en-US" b="1" dirty="0" err="1"/>
               <a:t>X|C</a:t>
             </a:r>
             <a:r>
-              <a:rPr lang="en-US" b="1" baseline="-25000" dirty="0" err="1" smtClean="0"/>
+              <a:rPr lang="en-US" b="1" baseline="-25000" dirty="0" err="1"/>
               <a:t>i</a:t>
             </a:r>
             <a:r>
-              <a:rPr lang="en-US" b="1" dirty="0" smtClean="0"/>
+              <a:rPr lang="en-US" b="1" dirty="0"/>
               <a:t>) :</a:t>
             </a:r>
             <a:r>
-              <a:rPr lang="en-US" dirty="0" smtClean="0"/>
+              <a:rPr lang="en-US" dirty="0"/>
               <a:t> P(</a:t>
             </a:r>
             <a:r>
-              <a:rPr lang="en-US" dirty="0" err="1" smtClean="0"/>
+              <a:rPr lang="en-US" dirty="0" err="1"/>
               <a:t>X|buys_computer</a:t>
             </a:r>
             <a:r>
-              <a:rPr lang="en-US" dirty="0" smtClean="0"/>
+              <a:rPr lang="en-US" dirty="0"/>
               <a:t> = “yes”) = 0.222 x 0.444 x 0.667 x 0.667 = 0.044</a:t>
             </a:r>
           </a:p>
@@ -27675,15 +27862,15 @@
               <a:buNone/>
             </a:pPr>
             <a:r>
-              <a:rPr lang="en-US" dirty="0" smtClean="0"/>
+              <a:rPr lang="en-US" dirty="0"/>
               <a:t>                P(</a:t>
             </a:r>
             <a:r>
-              <a:rPr lang="en-US" dirty="0" err="1" smtClean="0"/>
+              <a:rPr lang="en-US" dirty="0" err="1"/>
               <a:t>X|buys_computer</a:t>
             </a:r>
             <a:r>
-              <a:rPr lang="en-US" dirty="0" smtClean="0"/>
+              <a:rPr lang="en-US" dirty="0"/>
               <a:t> = “no”) = 0.6 x 0.4 x 0.2 x 0.4 = 0.019</a:t>
             </a:r>
           </a:p>
@@ -27693,51 +27880,51 @@
               <a:buNone/>
             </a:pPr>
             <a:r>
-              <a:rPr lang="en-US" b="1" dirty="0" smtClean="0"/>
+              <a:rPr lang="en-US" b="1" dirty="0"/>
               <a:t>P(</a:t>
             </a:r>
             <a:r>
-              <a:rPr lang="en-US" b="1" dirty="0" err="1" smtClean="0"/>
+              <a:rPr lang="en-US" b="1" dirty="0" err="1"/>
               <a:t>X|C</a:t>
             </a:r>
             <a:r>
-              <a:rPr lang="en-US" b="1" baseline="-25000" dirty="0" err="1" smtClean="0"/>
+              <a:rPr lang="en-US" b="1" baseline="-25000" dirty="0" err="1"/>
               <a:t>i</a:t>
             </a:r>
             <a:r>
-              <a:rPr lang="en-US" b="1" dirty="0" smtClean="0"/>
+              <a:rPr lang="en-US" b="1" dirty="0"/>
               <a:t>)*P(</a:t>
             </a:r>
             <a:r>
-              <a:rPr lang="en-US" b="1" dirty="0" err="1" smtClean="0"/>
+              <a:rPr lang="en-US" b="1" dirty="0" err="1"/>
               <a:t>C</a:t>
             </a:r>
             <a:r>
-              <a:rPr lang="en-US" b="1" baseline="-25000" dirty="0" err="1" smtClean="0"/>
+              <a:rPr lang="en-US" b="1" baseline="-25000" dirty="0" err="1"/>
               <a:t>i</a:t>
             </a:r>
             <a:r>
-              <a:rPr lang="en-US" b="1" dirty="0" smtClean="0"/>
+              <a:rPr lang="en-US" b="1" dirty="0"/>
               <a:t>) : </a:t>
             </a:r>
             <a:r>
-              <a:rPr lang="en-US" dirty="0" smtClean="0"/>
+              <a:rPr lang="en-US" dirty="0"/>
               <a:t>P(</a:t>
             </a:r>
             <a:r>
-              <a:rPr lang="en-US" dirty="0" err="1" smtClean="0"/>
+              <a:rPr lang="en-US" dirty="0" err="1"/>
               <a:t>X|buys_computer</a:t>
             </a:r>
             <a:r>
-              <a:rPr lang="en-US" dirty="0" smtClean="0"/>
+              <a:rPr lang="en-US" dirty="0"/>
               <a:t> = “yes”) * P(</a:t>
             </a:r>
             <a:r>
-              <a:rPr lang="en-US" dirty="0" err="1" smtClean="0"/>
+              <a:rPr lang="en-US" dirty="0" err="1"/>
               <a:t>buys_computer</a:t>
             </a:r>
             <a:r>
-              <a:rPr lang="en-US" dirty="0" smtClean="0"/>
+              <a:rPr lang="en-US" dirty="0"/>
               <a:t> = “yes”) = 0.028</a:t>
             </a:r>
           </a:p>
@@ -27747,30 +27934,30 @@
               <a:buNone/>
             </a:pPr>
             <a:r>
-              <a:rPr lang="en-US" b="1" dirty="0" smtClean="0"/>
+              <a:rPr lang="en-US" b="1" dirty="0"/>
               <a:t>		             </a:t>
             </a:r>
             <a:r>
-              <a:rPr lang="en-US" dirty="0" smtClean="0"/>
+              <a:rPr lang="en-US" dirty="0"/>
               <a:t>P(</a:t>
             </a:r>
             <a:r>
-              <a:rPr lang="en-US" dirty="0" err="1" smtClean="0"/>
+              <a:rPr lang="en-US" dirty="0" err="1"/>
               <a:t>X|buys_computer</a:t>
             </a:r>
             <a:r>
-              <a:rPr lang="en-US" dirty="0" smtClean="0"/>
+              <a:rPr lang="en-US" dirty="0"/>
               <a:t> = “no”) * P(</a:t>
             </a:r>
             <a:r>
-              <a:rPr lang="en-US" dirty="0" err="1" smtClean="0"/>
+              <a:rPr lang="en-US" dirty="0" err="1"/>
               <a:t>buys_computer</a:t>
             </a:r>
             <a:r>
-              <a:rPr lang="en-US" dirty="0" smtClean="0"/>
+              <a:rPr lang="en-US" dirty="0"/>
               <a:t> = “no”) = 0.007</a:t>
             </a:r>
-            <a:endParaRPr lang="en-US" b="1" dirty="0" smtClean="0"/>
+            <a:endParaRPr lang="en-US" b="1" dirty="0"/>
           </a:p>
           <a:p>
             <a:pPr eaLnBrk="1" hangingPunct="1">
@@ -27778,18 +27965,18 @@
               <a:buNone/>
             </a:pPr>
             <a:r>
-              <a:rPr lang="en-US" b="1" dirty="0" smtClean="0"/>
+              <a:rPr lang="en-US" b="1" dirty="0"/>
               <a:t>Therefore,  X belongs to class (“</a:t>
             </a:r>
             <a:r>
-              <a:rPr lang="en-US" b="1" dirty="0" err="1" smtClean="0"/>
+              <a:rPr lang="en-US" b="1" dirty="0" err="1"/>
               <a:t>buys_computer</a:t>
             </a:r>
             <a:r>
-              <a:rPr lang="en-US" b="1" dirty="0" smtClean="0"/>
+              <a:rPr lang="en-US" b="1" dirty="0"/>
               <a:t> = yes”)	</a:t>
             </a:r>
-            <a:endParaRPr lang="en-IN" dirty="0" smtClean="0"/>
+            <a:endParaRPr lang="en-IN" dirty="0"/>
           </a:p>
         </p:txBody>
       </p:sp>
@@ -27803,13 +27990,6 @@
   <p:clrMapOvr>
     <a:masterClrMapping/>
   </p:clrMapOvr>
-  <p:timing>
-    <p:tnLst>
-      <p:par>
-        <p:cTn id="1" dur="indefinite" restart="never" nodeType="tmRoot"/>
-      </p:par>
-    </p:tnLst>
-  </p:timing>
 </p:sld>
 </file>
 
